--- a/static/ppts/AP4-1.pptx
+++ b/static/ppts/AP4-1.pptx
@@ -12,6 +12,12 @@
     <p:sldId id="259" r:id="rId6"/>
     <p:sldId id="260" r:id="rId7"/>
     <p:sldId id="261" r:id="rId8"/>
+    <p:sldId id="263" r:id="rId9"/>
+    <p:sldId id="264" r:id="rId10"/>
+    <p:sldId id="265" r:id="rId11"/>
+    <p:sldId id="266" r:id="rId12"/>
+    <p:sldId id="267" r:id="rId13"/>
+    <p:sldId id="268" r:id="rId14"/>
   </p:sldIdLst>
   <p:sldSz cx="12192000" cy="6858000"/>
   <p:notesSz cx="6858000" cy="9144000"/>
@@ -406,7 +412,7 @@
             <a:fld id="{08B9EBBA-996F-894A-B54A-D6246ED52CEA}" type="datetimeFigureOut">
               <a:rPr lang="en-US" dirty="0"/>
               <a:pPr/>
-              <a:t>12/12/2021</a:t>
+              <a:t>12/19/2021</a:t>
             </a:fld>
             <a:endParaRPr lang="en-US" dirty="0"/>
           </a:p>
@@ -721,7 +727,7 @@
             <a:fld id="{18C79C5D-2A6F-F04D-97DA-BEF2467B64E4}" type="datetimeFigureOut">
               <a:rPr lang="en-US" dirty="0"/>
               <a:pPr/>
-              <a:t>12/12/2021</a:t>
+              <a:t>12/19/2021</a:t>
             </a:fld>
             <a:endParaRPr lang="en-US" dirty="0"/>
           </a:p>
@@ -1206,7 +1212,7 @@
             <a:fld id="{8DFA1846-DA80-1C48-A609-854EA85C59AD}" type="datetimeFigureOut">
               <a:rPr lang="en-US" dirty="0"/>
               <a:pPr/>
-              <a:t>12/12/2021</a:t>
+              <a:t>12/19/2021</a:t>
             </a:fld>
             <a:endParaRPr lang="en-US" dirty="0"/>
           </a:p>
@@ -1572,7 +1578,7 @@
             <a:fld id="{FBF54567-0DE4-3F47-BF90-CB84690072F9}" type="datetimeFigureOut">
               <a:rPr lang="en-US" dirty="0"/>
               <a:pPr/>
-              <a:t>12/12/2021</a:t>
+              <a:t>12/19/2021</a:t>
             </a:fld>
             <a:endParaRPr lang="en-US" dirty="0"/>
           </a:p>
@@ -1842,7 +1848,7 @@
             <a:fld id="{C6C52C72-DE31-F449-A4ED-4C594FD91407}" type="datetimeFigureOut">
               <a:rPr lang="en-US" dirty="0"/>
               <a:pPr/>
-              <a:t>12/12/2021</a:t>
+              <a:t>12/19/2021</a:t>
             </a:fld>
             <a:endParaRPr lang="en-US" dirty="0"/>
           </a:p>
@@ -2124,7 +2130,7 @@
             <a:fld id="{ED62726E-379B-B349-9EED-81ED093FA806}" type="datetimeFigureOut">
               <a:rPr lang="en-US" dirty="0"/>
               <a:pPr/>
-              <a:t>12/12/2021</a:t>
+              <a:t>12/19/2021</a:t>
             </a:fld>
             <a:endParaRPr lang="en-US" dirty="0"/>
           </a:p>
@@ -2404,7 +2410,7 @@
             <a:fld id="{9B3A1323-8D79-1946-B0D7-40001CF92E9D}" type="datetimeFigureOut">
               <a:rPr lang="en-US" dirty="0"/>
               <a:pPr/>
-              <a:t>12/12/2021</a:t>
+              <a:t>12/19/2021</a:t>
             </a:fld>
             <a:endParaRPr lang="en-US" dirty="0"/>
           </a:p>
@@ -2744,7 +2750,7 @@
             <a:fld id="{8DFA1846-DA80-1C48-A609-854EA85C59AD}" type="datetimeFigureOut">
               <a:rPr lang="en-US" dirty="0"/>
               <a:pPr/>
-              <a:t>12/12/2021</a:t>
+              <a:t>12/19/2021</a:t>
             </a:fld>
             <a:endParaRPr lang="en-US" dirty="0"/>
           </a:p>
@@ -3080,7 +3086,7 @@
             <a:fld id="{57302355-E14B-8545-A8F8-0FE83CC9D524}" type="datetimeFigureOut">
               <a:rPr lang="en-US" dirty="0"/>
               <a:pPr/>
-              <a:t>12/12/2021</a:t>
+              <a:t>12/19/2021</a:t>
             </a:fld>
             <a:endParaRPr lang="en-US" dirty="0"/>
           </a:p>
@@ -3554,7 +3560,7 @@
             <a:fld id="{02640F58-564D-2B4F-AE67-E407BA4FCF45}" type="datetimeFigureOut">
               <a:rPr lang="en-US" dirty="0"/>
               <a:pPr/>
-              <a:t>12/12/2021</a:t>
+              <a:t>12/19/2021</a:t>
             </a:fld>
             <a:endParaRPr lang="en-US" dirty="0"/>
           </a:p>
@@ -3772,7 +3778,7 @@
             <a:fld id="{F13A34C8-038E-2045-AF43-DF7DBB8E0E9E}" type="datetimeFigureOut">
               <a:rPr lang="en-US" dirty="0"/>
               <a:pPr/>
-              <a:t>12/12/2021</a:t>
+              <a:t>12/19/2021</a:t>
             </a:fld>
             <a:endParaRPr lang="en-US" dirty="0"/>
           </a:p>
@@ -3864,7 +3870,7 @@
             <a:fld id="{8818C68F-D26B-8F47-958C-23B49CF8A634}" type="datetimeFigureOut">
               <a:rPr lang="en-US" dirty="0"/>
               <a:pPr/>
-              <a:t>12/12/2021</a:t>
+              <a:t>12/19/2021</a:t>
             </a:fld>
             <a:endParaRPr lang="en-US" dirty="0"/>
           </a:p>
@@ -4328,7 +4334,7 @@
             <a:fld id="{D0DF5E60-9974-AC48-9591-99C2BB44B7CF}" type="datetimeFigureOut">
               <a:rPr lang="en-US" dirty="0"/>
               <a:pPr/>
-              <a:t>12/12/2021</a:t>
+              <a:t>12/19/2021</a:t>
             </a:fld>
             <a:endParaRPr lang="en-US" dirty="0"/>
           </a:p>
@@ -4638,7 +4644,7 @@
             <a:fld id="{18C79C5D-2A6F-F04D-97DA-BEF2467B64E4}" type="datetimeFigureOut">
               <a:rPr lang="en-US" dirty="0"/>
               <a:pPr/>
-              <a:t>12/12/2021</a:t>
+              <a:t>12/19/2021</a:t>
             </a:fld>
             <a:endParaRPr lang="en-US" dirty="0"/>
           </a:p>
@@ -4905,7 +4911,7 @@
             <a:fld id="{09B482E8-6E0E-1B4F-B1FD-C69DB9E858D9}" type="datetimeFigureOut">
               <a:rPr lang="en-US" dirty="0"/>
               <a:pPr/>
-              <a:t>12/12/2021</a:t>
+              <a:t>12/19/2021</a:t>
             </a:fld>
             <a:endParaRPr lang="en-US" dirty="0"/>
           </a:p>
@@ -5379,7 +5385,7 @@
           <a:p>
             <a:r>
               <a:rPr lang="en-US" dirty="0"/>
-              <a:t>Ch. 4 User input &amp; Java Libraries</a:t>
+              <a:t>Ch. 4 User input &amp; Branching</a:t>
             </a:r>
           </a:p>
         </p:txBody>
@@ -5422,6 +5428,1898 @@
   <p:clrMapOvr>
     <a:masterClrMapping/>
   </p:clrMapOvr>
+</p:sld>
+</file>
+
+<file path=ppt/slides/slide10.xml><?xml version="1.0" encoding="utf-8"?>
+<p:sld xmlns:a="http://schemas.openxmlformats.org/drawingml/2006/main" xmlns:r="http://schemas.openxmlformats.org/officeDocument/2006/relationships" xmlns:p="http://schemas.openxmlformats.org/presentationml/2006/main">
+  <p:cSld>
+    <p:spTree>
+      <p:nvGrpSpPr>
+        <p:cNvPr id="1" name=""/>
+        <p:cNvGrpSpPr/>
+        <p:nvPr/>
+      </p:nvGrpSpPr>
+      <p:grpSpPr>
+        <a:xfrm>
+          <a:off x="0" y="0"/>
+          <a:ext cx="0" cy="0"/>
+          <a:chOff x="0" y="0"/>
+          <a:chExt cx="0" cy="0"/>
+        </a:xfrm>
+      </p:grpSpPr>
+      <p:sp>
+        <p:nvSpPr>
+          <p:cNvPr id="2" name="Title 1">
+            <a:extLst>
+              <a:ext uri="{FF2B5EF4-FFF2-40B4-BE49-F238E27FC236}">
+                <a16:creationId xmlns:a16="http://schemas.microsoft.com/office/drawing/2014/main" id="{0F3C1087-C561-40BD-A0CA-18D811EDEB05}"/>
+              </a:ext>
+            </a:extLst>
+          </p:cNvPr>
+          <p:cNvSpPr>
+            <a:spLocks noGrp="1"/>
+          </p:cNvSpPr>
+          <p:nvPr>
+            <p:ph type="title"/>
+          </p:nvPr>
+        </p:nvSpPr>
+        <p:spPr/>
+        <p:txBody>
+          <a:bodyPr/>
+          <a:lstStyle/>
+          <a:p>
+            <a:r>
+              <a:rPr lang="en-US" dirty="0"/>
+              <a:t>Demo 1 - </a:t>
+            </a:r>
+            <a:r>
+              <a:rPr lang="en-US" dirty="0">
+                <a:solidFill>
+                  <a:srgbClr val="FFC000"/>
+                </a:solidFill>
+              </a:rPr>
+              <a:t>Calculator</a:t>
+            </a:r>
+          </a:p>
+        </p:txBody>
+      </p:sp>
+      <p:sp>
+        <p:nvSpPr>
+          <p:cNvPr id="3" name="Content Placeholder 2">
+            <a:extLst>
+              <a:ext uri="{FF2B5EF4-FFF2-40B4-BE49-F238E27FC236}">
+                <a16:creationId xmlns:a16="http://schemas.microsoft.com/office/drawing/2014/main" id="{3129C968-EFD7-4745-A8C5-5B8497E18DD0}"/>
+              </a:ext>
+            </a:extLst>
+          </p:cNvPr>
+          <p:cNvSpPr>
+            <a:spLocks noGrp="1"/>
+          </p:cNvSpPr>
+          <p:nvPr>
+            <p:ph idx="1"/>
+          </p:nvPr>
+        </p:nvSpPr>
+        <p:spPr>
+          <a:xfrm>
+            <a:off x="818712" y="2222288"/>
+            <a:ext cx="10554574" cy="1395208"/>
+          </a:xfrm>
+          <a:effectLst/>
+        </p:spPr>
+        <p:txBody>
+          <a:bodyPr>
+            <a:normAutofit/>
+          </a:bodyPr>
+          <a:lstStyle/>
+          <a:p>
+            <a:pPr marL="0" indent="0">
+              <a:buNone/>
+            </a:pPr>
+            <a:r>
+              <a:rPr lang="en-US" sz="3200" dirty="0">
+                <a:effectLst>
+                  <a:outerShdw blurRad="50800" dist="38100" dir="2700000" algn="tl" rotWithShape="0">
+                    <a:prstClr val="black">
+                      <a:alpha val="40000"/>
+                    </a:prstClr>
+                  </a:outerShdw>
+                </a:effectLst>
+              </a:rPr>
+              <a:t>Goal: Create a </a:t>
+            </a:r>
+            <a:r>
+              <a:rPr lang="en-US" sz="3200" dirty="0">
+                <a:solidFill>
+                  <a:srgbClr val="FFC000"/>
+                </a:solidFill>
+                <a:effectLst>
+                  <a:outerShdw blurRad="50800" dist="38100" dir="2700000" algn="tl" rotWithShape="0">
+                    <a:prstClr val="black">
+                      <a:alpha val="40000"/>
+                    </a:prstClr>
+                  </a:outerShdw>
+                </a:effectLst>
+              </a:rPr>
+              <a:t>calculator</a:t>
+            </a:r>
+            <a:r>
+              <a:rPr lang="en-US" sz="3200" dirty="0">
+                <a:effectLst>
+                  <a:outerShdw blurRad="50800" dist="38100" dir="2700000" algn="tl" rotWithShape="0">
+                    <a:prstClr val="black">
+                      <a:alpha val="40000"/>
+                    </a:prstClr>
+                  </a:outerShdw>
+                </a:effectLst>
+              </a:rPr>
+              <a:t> that takes two numbers and adds them together.</a:t>
+            </a:r>
+          </a:p>
+        </p:txBody>
+      </p:sp>
+      <p:pic>
+        <p:nvPicPr>
+          <p:cNvPr id="7" name="Picture 6" descr="A picture containing text, helmet&#10;&#10;Description automatically generated">
+            <a:extLst>
+              <a:ext uri="{FF2B5EF4-FFF2-40B4-BE49-F238E27FC236}">
+                <a16:creationId xmlns:a16="http://schemas.microsoft.com/office/drawing/2014/main" id="{17CE7F1B-494E-4A24-A99A-01921D4DC30A}"/>
+              </a:ext>
+            </a:extLst>
+          </p:cNvPr>
+          <p:cNvPicPr>
+            <a:picLocks noChangeAspect="1"/>
+          </p:cNvPicPr>
+          <p:nvPr/>
+        </p:nvPicPr>
+        <p:blipFill>
+          <a:blip r:embed="rId2"/>
+          <a:stretch>
+            <a:fillRect/>
+          </a:stretch>
+        </p:blipFill>
+        <p:spPr>
+          <a:xfrm>
+            <a:off x="4589022" y="3792070"/>
+            <a:ext cx="2228637" cy="2228637"/>
+          </a:xfrm>
+          <a:prstGeom prst="rect">
+            <a:avLst/>
+          </a:prstGeom>
+          <a:effectLst>
+            <a:outerShdw blurRad="50800" dist="38100" dir="2700000" algn="tl" rotWithShape="0">
+              <a:prstClr val="black">
+                <a:alpha val="40000"/>
+              </a:prstClr>
+            </a:outerShdw>
+          </a:effectLst>
+        </p:spPr>
+      </p:pic>
+    </p:spTree>
+    <p:extLst>
+      <p:ext uri="{BB962C8B-B14F-4D97-AF65-F5344CB8AC3E}">
+        <p14:creationId xmlns:p14="http://schemas.microsoft.com/office/powerpoint/2010/main" val="4113614470"/>
+      </p:ext>
+    </p:extLst>
+  </p:cSld>
+  <p:clrMapOvr>
+    <a:masterClrMapping/>
+  </p:clrMapOvr>
+  <p:timing>
+    <p:tnLst>
+      <p:par>
+        <p:cTn id="1" dur="indefinite" restart="never" nodeType="tmRoot">
+          <p:childTnLst>
+            <p:seq concurrent="1" nextAc="seek">
+              <p:cTn id="2" dur="indefinite" nodeType="mainSeq">
+                <p:childTnLst>
+                  <p:par>
+                    <p:cTn id="3" fill="hold">
+                      <p:stCondLst>
+                        <p:cond delay="indefinite"/>
+                      </p:stCondLst>
+                      <p:childTnLst>
+                        <p:par>
+                          <p:cTn id="4" fill="hold">
+                            <p:stCondLst>
+                              <p:cond delay="0"/>
+                            </p:stCondLst>
+                            <p:childTnLst>
+                              <p:par>
+                                <p:cTn id="5" presetID="10" presetClass="entr" presetSubtype="0" fill="hold" nodeType="clickEffect">
+                                  <p:stCondLst>
+                                    <p:cond delay="0"/>
+                                  </p:stCondLst>
+                                  <p:childTnLst>
+                                    <p:set>
+                                      <p:cBhvr>
+                                        <p:cTn id="6" dur="1" fill="hold">
+                                          <p:stCondLst>
+                                            <p:cond delay="0"/>
+                                          </p:stCondLst>
+                                        </p:cTn>
+                                        <p:tgtEl>
+                                          <p:spTgt spid="7"/>
+                                        </p:tgtEl>
+                                        <p:attrNameLst>
+                                          <p:attrName>style.visibility</p:attrName>
+                                        </p:attrNameLst>
+                                      </p:cBhvr>
+                                      <p:to>
+                                        <p:strVal val="visible"/>
+                                      </p:to>
+                                    </p:set>
+                                    <p:animEffect transition="in" filter="fade">
+                                      <p:cBhvr>
+                                        <p:cTn id="7" dur="500"/>
+                                        <p:tgtEl>
+                                          <p:spTgt spid="7"/>
+                                        </p:tgtEl>
+                                      </p:cBhvr>
+                                    </p:animEffect>
+                                  </p:childTnLst>
+                                </p:cTn>
+                              </p:par>
+                            </p:childTnLst>
+                          </p:cTn>
+                        </p:par>
+                      </p:childTnLst>
+                    </p:cTn>
+                  </p:par>
+                </p:childTnLst>
+              </p:cTn>
+              <p:prevCondLst>
+                <p:cond evt="onPrev" delay="0">
+                  <p:tgtEl>
+                    <p:sldTgt/>
+                  </p:tgtEl>
+                </p:cond>
+              </p:prevCondLst>
+              <p:nextCondLst>
+                <p:cond evt="onNext" delay="0">
+                  <p:tgtEl>
+                    <p:sldTgt/>
+                  </p:tgtEl>
+                </p:cond>
+              </p:nextCondLst>
+            </p:seq>
+          </p:childTnLst>
+        </p:cTn>
+      </p:par>
+    </p:tnLst>
+  </p:timing>
+</p:sld>
+</file>
+
+<file path=ppt/slides/slide11.xml><?xml version="1.0" encoding="utf-8"?>
+<p:sld xmlns:a="http://schemas.openxmlformats.org/drawingml/2006/main" xmlns:r="http://schemas.openxmlformats.org/officeDocument/2006/relationships" xmlns:p="http://schemas.openxmlformats.org/presentationml/2006/main">
+  <p:cSld>
+    <p:bg>
+      <p:bgPr>
+        <a:solidFill>
+          <a:schemeClr val="bg2"/>
+        </a:solidFill>
+        <a:effectLst/>
+      </p:bgPr>
+    </p:bg>
+    <p:spTree>
+      <p:nvGrpSpPr>
+        <p:cNvPr id="1" name=""/>
+        <p:cNvGrpSpPr/>
+        <p:nvPr/>
+      </p:nvGrpSpPr>
+      <p:grpSpPr>
+        <a:xfrm>
+          <a:off x="0" y="0"/>
+          <a:ext cx="0" cy="0"/>
+          <a:chOff x="0" y="0"/>
+          <a:chExt cx="0" cy="0"/>
+        </a:xfrm>
+      </p:grpSpPr>
+      <p:sp>
+        <p:nvSpPr>
+          <p:cNvPr id="15" name="Rectangle 14">
+            <a:extLst>
+              <a:ext uri="{FF2B5EF4-FFF2-40B4-BE49-F238E27FC236}">
+                <a16:creationId xmlns:a16="http://schemas.microsoft.com/office/drawing/2014/main" id="{C60D8E68-3C34-4C0E-AD3E-80B283FF3661}"/>
+              </a:ext>
+              <a:ext uri="{C183D7F6-B498-43B3-948B-1728B52AA6E4}">
+                <adec:decorative xmlns:adec="http://schemas.microsoft.com/office/drawing/2017/decorative" val="1"/>
+              </a:ext>
+            </a:extLst>
+          </p:cNvPr>
+          <p:cNvSpPr>
+            <a:spLocks noGrp="1" noRot="1" noChangeAspect="1" noMove="1" noResize="1" noEditPoints="1" noAdjustHandles="1" noChangeArrowheads="1" noChangeShapeType="1" noTextEdit="1"/>
+          </p:cNvSpPr>
+          <p:nvPr>
+            <p:extLst>
+              <p:ext uri="{386F3935-93C4-4BCD-93E2-E3B085C9AB24}">
+                <p16:designElem xmlns:p16="http://schemas.microsoft.com/office/powerpoint/2015/main" val="1"/>
+              </p:ext>
+            </p:extLst>
+          </p:nvPr>
+        </p:nvSpPr>
+        <p:spPr>
+          <a:xfrm>
+            <a:off x="0" y="0"/>
+            <a:ext cx="12192000" cy="6858000"/>
+          </a:xfrm>
+          <a:prstGeom prst="rect">
+            <a:avLst/>
+          </a:prstGeom>
+          <a:solidFill>
+            <a:srgbClr val="353869"/>
+          </a:solidFill>
+          <a:ln>
+            <a:noFill/>
+          </a:ln>
+        </p:spPr>
+        <p:style>
+          <a:lnRef idx="2">
+            <a:schemeClr val="accent1">
+              <a:shade val="50000"/>
+            </a:schemeClr>
+          </a:lnRef>
+          <a:fillRef idx="1">
+            <a:schemeClr val="accent1"/>
+          </a:fillRef>
+          <a:effectRef idx="0">
+            <a:schemeClr val="accent1"/>
+          </a:effectRef>
+          <a:fontRef idx="minor">
+            <a:schemeClr val="lt1"/>
+          </a:fontRef>
+        </p:style>
+        <p:txBody>
+          <a:bodyPr rtlCol="0" anchor="ctr"/>
+          <a:lstStyle/>
+          <a:p>
+            <a:pPr algn="ctr"/>
+            <a:endParaRPr lang="en-US"/>
+          </a:p>
+        </p:txBody>
+      </p:sp>
+      <p:pic>
+        <p:nvPicPr>
+          <p:cNvPr id="5" name="Picture 4">
+            <a:extLst>
+              <a:ext uri="{FF2B5EF4-FFF2-40B4-BE49-F238E27FC236}">
+                <a16:creationId xmlns:a16="http://schemas.microsoft.com/office/drawing/2014/main" id="{10397F76-2D1C-4900-B0F2-83A61BC2E19C}"/>
+              </a:ext>
+            </a:extLst>
+          </p:cNvPr>
+          <p:cNvPicPr>
+            <a:picLocks noChangeAspect="1"/>
+          </p:cNvPicPr>
+          <p:nvPr/>
+        </p:nvPicPr>
+        <p:blipFill>
+          <a:blip r:embed="rId4"/>
+          <a:stretch>
+            <a:fillRect/>
+          </a:stretch>
+        </p:blipFill>
+        <p:spPr>
+          <a:xfrm>
+            <a:off x="827113" y="688018"/>
+            <a:ext cx="5755341" cy="5481963"/>
+          </a:xfrm>
+          <a:prstGeom prst="rect">
+            <a:avLst/>
+          </a:prstGeom>
+          <a:effectLst>
+            <a:outerShdw blurRad="50800" dist="38100" dir="2700000" algn="tl" rotWithShape="0">
+              <a:prstClr val="black">
+                <a:alpha val="40000"/>
+              </a:prstClr>
+            </a:outerShdw>
+          </a:effectLst>
+        </p:spPr>
+      </p:pic>
+      <p:sp>
+        <p:nvSpPr>
+          <p:cNvPr id="17" name="Rounded Rectangle 14">
+            <a:extLst>
+              <a:ext uri="{FF2B5EF4-FFF2-40B4-BE49-F238E27FC236}">
+                <a16:creationId xmlns:a16="http://schemas.microsoft.com/office/drawing/2014/main" id="{7188AEC5-C3B6-4F84-960F-0246A53F71E9}"/>
+              </a:ext>
+              <a:ext uri="{C183D7F6-B498-43B3-948B-1728B52AA6E4}">
+                <adec:decorative xmlns:adec="http://schemas.microsoft.com/office/drawing/2017/decorative" val="1"/>
+              </a:ext>
+            </a:extLst>
+          </p:cNvPr>
+          <p:cNvSpPr>
+            <a:spLocks noGrp="1" noRot="1" noChangeAspect="1" noMove="1" noResize="1" noEditPoints="1" noAdjustHandles="1" noChangeArrowheads="1" noChangeShapeType="1" noTextEdit="1"/>
+          </p:cNvSpPr>
+          <p:nvPr>
+            <p:extLst>
+              <p:ext uri="{386F3935-93C4-4BCD-93E2-E3B085C9AB24}">
+                <p16:designElem xmlns:p16="http://schemas.microsoft.com/office/powerpoint/2015/main" val="1"/>
+              </p:ext>
+            </p:extLst>
+          </p:nvPr>
+        </p:nvSpPr>
+        <p:spPr>
+          <a:xfrm>
+            <a:off x="637093" y="643467"/>
+            <a:ext cx="10917814" cy="5571066"/>
+          </a:xfrm>
+          <a:prstGeom prst="roundRect">
+            <a:avLst>
+              <a:gd name="adj" fmla="val 3513"/>
+            </a:avLst>
+          </a:prstGeom>
+          <a:noFill/>
+          <a:ln w="19050">
+            <a:solidFill>
+              <a:schemeClr val="accent1"/>
+            </a:solidFill>
+          </a:ln>
+          <a:effectLst/>
+        </p:spPr>
+        <p:style>
+          <a:lnRef idx="2">
+            <a:schemeClr val="accent1">
+              <a:shade val="50000"/>
+            </a:schemeClr>
+          </a:lnRef>
+          <a:fillRef idx="1">
+            <a:schemeClr val="accent1"/>
+          </a:fillRef>
+          <a:effectRef idx="0">
+            <a:schemeClr val="accent1"/>
+          </a:effectRef>
+          <a:fontRef idx="minor">
+            <a:schemeClr val="lt1"/>
+          </a:fontRef>
+        </p:style>
+        <p:txBody>
+          <a:bodyPr rtlCol="0" anchor="ctr"/>
+          <a:lstStyle/>
+          <a:p>
+            <a:pPr algn="ctr"/>
+            <a:endParaRPr lang="en-US"/>
+          </a:p>
+        </p:txBody>
+      </p:sp>
+      <p:pic>
+        <p:nvPicPr>
+          <p:cNvPr id="6" name="34151da5571bef2d76fba330222fb4b9">
+            <a:hlinkClick r:id="" action="ppaction://media"/>
+            <a:extLst>
+              <a:ext uri="{FF2B5EF4-FFF2-40B4-BE49-F238E27FC236}">
+                <a16:creationId xmlns:a16="http://schemas.microsoft.com/office/drawing/2014/main" id="{80933CEB-DA7C-487B-8932-7557B8A936EC}"/>
+              </a:ext>
+            </a:extLst>
+          </p:cNvPr>
+          <p:cNvPicPr>
+            <a:picLocks noChangeAspect="1"/>
+          </p:cNvPicPr>
+          <p:nvPr>
+            <a:videoFile r:link="rId2"/>
+            <p:extLst>
+              <p:ext uri="{DAA4B4D4-6D71-4841-9C94-3DE7FCFB9230}">
+                <p14:media xmlns:p14="http://schemas.microsoft.com/office/powerpoint/2010/main" r:embed="rId1"/>
+              </p:ext>
+            </p:extLst>
+          </p:nvPr>
+        </p:nvPicPr>
+        <p:blipFill>
+          <a:blip r:embed="rId5"/>
+          <a:stretch>
+            <a:fillRect/>
+          </a:stretch>
+        </p:blipFill>
+        <p:spPr>
+          <a:xfrm>
+            <a:off x="6721381" y="2309390"/>
+            <a:ext cx="4694598" cy="2325363"/>
+          </a:xfrm>
+          <a:prstGeom prst="rect">
+            <a:avLst/>
+          </a:prstGeom>
+          <a:effectLst>
+            <a:outerShdw blurRad="50800" dist="38100" dir="2700000" algn="tl" rotWithShape="0">
+              <a:prstClr val="black">
+                <a:alpha val="40000"/>
+              </a:prstClr>
+            </a:outerShdw>
+          </a:effectLst>
+        </p:spPr>
+      </p:pic>
+    </p:spTree>
+    <p:extLst>
+      <p:ext uri="{BB962C8B-B14F-4D97-AF65-F5344CB8AC3E}">
+        <p14:creationId xmlns:p14="http://schemas.microsoft.com/office/powerpoint/2010/main" val="1853803044"/>
+      </p:ext>
+    </p:extLst>
+  </p:cSld>
+  <p:clrMapOvr>
+    <a:masterClrMapping/>
+  </p:clrMapOvr>
+  <p:timing>
+    <p:tnLst>
+      <p:par>
+        <p:cTn id="1" dur="indefinite" restart="never" nodeType="tmRoot">
+          <p:childTnLst>
+            <p:seq concurrent="1" nextAc="seek">
+              <p:cTn id="2" dur="indefinite" nodeType="mainSeq">
+                <p:childTnLst>
+                  <p:par>
+                    <p:cTn id="3" fill="hold">
+                      <p:stCondLst>
+                        <p:cond delay="indefinite"/>
+                      </p:stCondLst>
+                      <p:childTnLst>
+                        <p:par>
+                          <p:cTn id="4" fill="hold">
+                            <p:stCondLst>
+                              <p:cond delay="0"/>
+                            </p:stCondLst>
+                            <p:childTnLst>
+                              <p:par>
+                                <p:cTn id="5" presetID="2" presetClass="entr" presetSubtype="4" fill="hold" nodeType="clickEffect">
+                                  <p:stCondLst>
+                                    <p:cond delay="0"/>
+                                  </p:stCondLst>
+                                  <p:childTnLst>
+                                    <p:set>
+                                      <p:cBhvr>
+                                        <p:cTn id="6" dur="1" fill="hold">
+                                          <p:stCondLst>
+                                            <p:cond delay="0"/>
+                                          </p:stCondLst>
+                                        </p:cTn>
+                                        <p:tgtEl>
+                                          <p:spTgt spid="6"/>
+                                        </p:tgtEl>
+                                        <p:attrNameLst>
+                                          <p:attrName>style.visibility</p:attrName>
+                                        </p:attrNameLst>
+                                      </p:cBhvr>
+                                      <p:to>
+                                        <p:strVal val="visible"/>
+                                      </p:to>
+                                    </p:set>
+                                    <p:anim calcmode="lin" valueType="num">
+                                      <p:cBhvr additive="base">
+                                        <p:cTn id="7" dur="500" fill="hold"/>
+                                        <p:tgtEl>
+                                          <p:spTgt spid="6"/>
+                                        </p:tgtEl>
+                                        <p:attrNameLst>
+                                          <p:attrName>ppt_x</p:attrName>
+                                        </p:attrNameLst>
+                                      </p:cBhvr>
+                                      <p:tavLst>
+                                        <p:tav tm="0">
+                                          <p:val>
+                                            <p:strVal val="#ppt_x"/>
+                                          </p:val>
+                                        </p:tav>
+                                        <p:tav tm="100000">
+                                          <p:val>
+                                            <p:strVal val="#ppt_x"/>
+                                          </p:val>
+                                        </p:tav>
+                                      </p:tavLst>
+                                    </p:anim>
+                                    <p:anim calcmode="lin" valueType="num">
+                                      <p:cBhvr additive="base">
+                                        <p:cTn id="8" dur="500" fill="hold"/>
+                                        <p:tgtEl>
+                                          <p:spTgt spid="6"/>
+                                        </p:tgtEl>
+                                        <p:attrNameLst>
+                                          <p:attrName>ppt_y</p:attrName>
+                                        </p:attrNameLst>
+                                      </p:cBhvr>
+                                      <p:tavLst>
+                                        <p:tav tm="0">
+                                          <p:val>
+                                            <p:strVal val="1+#ppt_h/2"/>
+                                          </p:val>
+                                        </p:tav>
+                                        <p:tav tm="100000">
+                                          <p:val>
+                                            <p:strVal val="#ppt_y"/>
+                                          </p:val>
+                                        </p:tav>
+                                      </p:tavLst>
+                                    </p:anim>
+                                  </p:childTnLst>
+                                </p:cTn>
+                              </p:par>
+                            </p:childTnLst>
+                          </p:cTn>
+                        </p:par>
+                      </p:childTnLst>
+                    </p:cTn>
+                  </p:par>
+                  <p:par>
+                    <p:cTn id="9" fill="hold">
+                      <p:stCondLst>
+                        <p:cond delay="indefinite"/>
+                      </p:stCondLst>
+                      <p:childTnLst>
+                        <p:par>
+                          <p:cTn id="10" fill="hold">
+                            <p:stCondLst>
+                              <p:cond delay="0"/>
+                            </p:stCondLst>
+                            <p:childTnLst>
+                              <p:par>
+                                <p:cTn id="11" presetID="1" presetClass="mediacall" presetSubtype="0" fill="hold" nodeType="clickEffect">
+                                  <p:stCondLst>
+                                    <p:cond delay="0"/>
+                                  </p:stCondLst>
+                                  <p:childTnLst>
+                                    <p:cmd type="call" cmd="playFrom(0.0)">
+                                      <p:cBhvr>
+                                        <p:cTn id="12" dur="5526" fill="hold"/>
+                                        <p:tgtEl>
+                                          <p:spTgt spid="6"/>
+                                        </p:tgtEl>
+                                      </p:cBhvr>
+                                    </p:cmd>
+                                  </p:childTnLst>
+                                </p:cTn>
+                              </p:par>
+                            </p:childTnLst>
+                          </p:cTn>
+                        </p:par>
+                      </p:childTnLst>
+                    </p:cTn>
+                  </p:par>
+                </p:childTnLst>
+              </p:cTn>
+              <p:prevCondLst>
+                <p:cond evt="onPrev" delay="0">
+                  <p:tgtEl>
+                    <p:sldTgt/>
+                  </p:tgtEl>
+                </p:cond>
+              </p:prevCondLst>
+              <p:nextCondLst>
+                <p:cond evt="onNext" delay="0">
+                  <p:tgtEl>
+                    <p:sldTgt/>
+                  </p:tgtEl>
+                </p:cond>
+              </p:nextCondLst>
+            </p:seq>
+            <p:video>
+              <p:cMediaNode vol="80000">
+                <p:cTn id="13" fill="hold" display="0">
+                  <p:stCondLst>
+                    <p:cond delay="indefinite"/>
+                  </p:stCondLst>
+                </p:cTn>
+                <p:tgtEl>
+                  <p:spTgt spid="6"/>
+                </p:tgtEl>
+              </p:cMediaNode>
+            </p:video>
+          </p:childTnLst>
+        </p:cTn>
+      </p:par>
+    </p:tnLst>
+  </p:timing>
+</p:sld>
+</file>
+
+<file path=ppt/slides/slide12.xml><?xml version="1.0" encoding="utf-8"?>
+<p:sld xmlns:a="http://schemas.openxmlformats.org/drawingml/2006/main" xmlns:r="http://schemas.openxmlformats.org/officeDocument/2006/relationships" xmlns:p="http://schemas.openxmlformats.org/presentationml/2006/main">
+  <p:cSld>
+    <p:spTree>
+      <p:nvGrpSpPr>
+        <p:cNvPr id="1" name=""/>
+        <p:cNvGrpSpPr/>
+        <p:nvPr/>
+      </p:nvGrpSpPr>
+      <p:grpSpPr>
+        <a:xfrm>
+          <a:off x="0" y="0"/>
+          <a:ext cx="0" cy="0"/>
+          <a:chOff x="0" y="0"/>
+          <a:chExt cx="0" cy="0"/>
+        </a:xfrm>
+      </p:grpSpPr>
+      <p:sp>
+        <p:nvSpPr>
+          <p:cNvPr id="2" name="Title 1">
+            <a:extLst>
+              <a:ext uri="{FF2B5EF4-FFF2-40B4-BE49-F238E27FC236}">
+                <a16:creationId xmlns:a16="http://schemas.microsoft.com/office/drawing/2014/main" id="{215F54CE-75F2-43BA-B327-B24FBFBDE142}"/>
+              </a:ext>
+            </a:extLst>
+          </p:cNvPr>
+          <p:cNvSpPr>
+            <a:spLocks noGrp="1"/>
+          </p:cNvSpPr>
+          <p:nvPr>
+            <p:ph type="title"/>
+          </p:nvPr>
+        </p:nvSpPr>
+        <p:spPr/>
+        <p:txBody>
+          <a:bodyPr/>
+          <a:lstStyle/>
+          <a:p>
+            <a:r>
+              <a:rPr lang="en-US" dirty="0">
+                <a:solidFill>
+                  <a:schemeClr val="tx1"/>
+                </a:solidFill>
+              </a:rPr>
+              <a:t>FLAG</a:t>
+            </a:r>
+            <a:r>
+              <a:rPr lang="en-US" dirty="0"/>
+              <a:t>…</a:t>
+            </a:r>
+          </a:p>
+        </p:txBody>
+      </p:sp>
+      <p:sp>
+        <p:nvSpPr>
+          <p:cNvPr id="3" name="Content Placeholder 2">
+            <a:extLst>
+              <a:ext uri="{FF2B5EF4-FFF2-40B4-BE49-F238E27FC236}">
+                <a16:creationId xmlns:a16="http://schemas.microsoft.com/office/drawing/2014/main" id="{CA395C48-379F-48F6-A94F-9637D57E0E89}"/>
+              </a:ext>
+            </a:extLst>
+          </p:cNvPr>
+          <p:cNvSpPr>
+            <a:spLocks noGrp="1"/>
+          </p:cNvSpPr>
+          <p:nvPr>
+            <p:ph idx="1"/>
+          </p:nvPr>
+        </p:nvSpPr>
+        <p:spPr>
+          <a:xfrm>
+            <a:off x="818712" y="2222288"/>
+            <a:ext cx="10554574" cy="649250"/>
+          </a:xfrm>
+          <a:effectLst/>
+        </p:spPr>
+        <p:txBody>
+          <a:bodyPr>
+            <a:normAutofit/>
+          </a:bodyPr>
+          <a:lstStyle/>
+          <a:p>
+            <a:pPr marL="0" indent="0">
+              <a:buNone/>
+            </a:pPr>
+            <a:r>
+              <a:rPr lang="en-US" sz="3200" dirty="0">
+                <a:effectLst>
+                  <a:outerShdw blurRad="50800" dist="38100" dir="2700000" algn="tl" rotWithShape="0">
+                    <a:prstClr val="black">
+                      <a:alpha val="40000"/>
+                    </a:prstClr>
+                  </a:outerShdw>
+                </a:effectLst>
+              </a:rPr>
+              <a:t>If you try to input a non-integer…</a:t>
+            </a:r>
+          </a:p>
+        </p:txBody>
+      </p:sp>
+      <p:pic>
+        <p:nvPicPr>
+          <p:cNvPr id="5" name="11191db0a8ffb1030c01a1e303d7b14e">
+            <a:hlinkClick r:id="" action="ppaction://media"/>
+            <a:extLst>
+              <a:ext uri="{FF2B5EF4-FFF2-40B4-BE49-F238E27FC236}">
+                <a16:creationId xmlns:a16="http://schemas.microsoft.com/office/drawing/2014/main" id="{64C9CC05-A1B3-47A1-A0DD-B84C23418D69}"/>
+              </a:ext>
+            </a:extLst>
+          </p:cNvPr>
+          <p:cNvPicPr>
+            <a:picLocks noChangeAspect="1"/>
+          </p:cNvPicPr>
+          <p:nvPr>
+            <a:videoFile r:link="rId2"/>
+            <p:extLst>
+              <p:ext uri="{DAA4B4D4-6D71-4841-9C94-3DE7FCFB9230}">
+                <p14:media xmlns:p14="http://schemas.microsoft.com/office/powerpoint/2010/main" r:embed="rId1"/>
+              </p:ext>
+            </p:extLst>
+          </p:nvPr>
+        </p:nvPicPr>
+        <p:blipFill>
+          <a:blip r:embed="rId4"/>
+          <a:stretch>
+            <a:fillRect/>
+          </a:stretch>
+        </p:blipFill>
+        <p:spPr>
+          <a:xfrm>
+            <a:off x="275665" y="2970229"/>
+            <a:ext cx="11278662" cy="2977235"/>
+          </a:xfrm>
+          <a:prstGeom prst="rect">
+            <a:avLst/>
+          </a:prstGeom>
+        </p:spPr>
+      </p:pic>
+      <p:sp>
+        <p:nvSpPr>
+          <p:cNvPr id="6" name="Content Placeholder 2">
+            <a:extLst>
+              <a:ext uri="{FF2B5EF4-FFF2-40B4-BE49-F238E27FC236}">
+                <a16:creationId xmlns:a16="http://schemas.microsoft.com/office/drawing/2014/main" id="{B39151D5-61B9-46A3-994D-F26243EF4DF1}"/>
+              </a:ext>
+            </a:extLst>
+          </p:cNvPr>
+          <p:cNvSpPr txBox="1">
+            <a:spLocks/>
+          </p:cNvSpPr>
+          <p:nvPr/>
+        </p:nvSpPr>
+        <p:spPr>
+          <a:xfrm>
+            <a:off x="827424" y="6086187"/>
+            <a:ext cx="10554574" cy="649250"/>
+          </a:xfrm>
+          <a:prstGeom prst="rect">
+            <a:avLst/>
+          </a:prstGeom>
+          <a:effectLst/>
+        </p:spPr>
+        <p:txBody>
+          <a:bodyPr vert="horz" lIns="91440" tIns="45720" rIns="91440" bIns="45720" rtlCol="0" anchor="ctr">
+            <a:normAutofit/>
+          </a:bodyPr>
+          <a:lstStyle>
+            <a:lvl1pPr marL="342900" indent="-342900" algn="l" defTabSz="457200" rtl="0" eaLnBrk="1" latinLnBrk="0" hangingPunct="1">
+              <a:spcBef>
+                <a:spcPct val="20000"/>
+              </a:spcBef>
+              <a:spcAft>
+                <a:spcPts val="600"/>
+              </a:spcAft>
+              <a:buClr>
+                <a:schemeClr val="accent1"/>
+              </a:buClr>
+              <a:buFont typeface="Wingdings 2" charset="2"/>
+              <a:buChar char=""/>
+              <a:defRPr sz="1800" kern="1200">
+                <a:solidFill>
+                  <a:schemeClr val="tx1"/>
+                </a:solidFill>
+                <a:latin typeface="+mn-lt"/>
+                <a:ea typeface="+mn-ea"/>
+                <a:cs typeface="+mn-cs"/>
+              </a:defRPr>
+            </a:lvl1pPr>
+            <a:lvl2pPr marL="742950" indent="-285750" algn="l" defTabSz="457200" rtl="0" eaLnBrk="1" latinLnBrk="0" hangingPunct="1">
+              <a:spcBef>
+                <a:spcPct val="20000"/>
+              </a:spcBef>
+              <a:spcAft>
+                <a:spcPts val="600"/>
+              </a:spcAft>
+              <a:buClr>
+                <a:schemeClr val="accent1"/>
+              </a:buClr>
+              <a:buFont typeface="Wingdings 2" charset="2"/>
+              <a:buChar char=""/>
+              <a:defRPr sz="1600" kern="1200">
+                <a:solidFill>
+                  <a:schemeClr val="tx1"/>
+                </a:solidFill>
+                <a:latin typeface="+mn-lt"/>
+                <a:ea typeface="+mn-ea"/>
+                <a:cs typeface="+mn-cs"/>
+              </a:defRPr>
+            </a:lvl2pPr>
+            <a:lvl3pPr marL="1143000" indent="-228600" algn="l" defTabSz="457200" rtl="0" eaLnBrk="1" latinLnBrk="0" hangingPunct="1">
+              <a:spcBef>
+                <a:spcPct val="20000"/>
+              </a:spcBef>
+              <a:spcAft>
+                <a:spcPts val="600"/>
+              </a:spcAft>
+              <a:buClr>
+                <a:schemeClr val="accent1"/>
+              </a:buClr>
+              <a:buFont typeface="Wingdings 2" charset="2"/>
+              <a:buChar char=""/>
+              <a:defRPr sz="1400" kern="1200">
+                <a:solidFill>
+                  <a:schemeClr val="tx1"/>
+                </a:solidFill>
+                <a:latin typeface="+mn-lt"/>
+                <a:ea typeface="+mn-ea"/>
+                <a:cs typeface="+mn-cs"/>
+              </a:defRPr>
+            </a:lvl3pPr>
+            <a:lvl4pPr marL="1600200" indent="-228600" algn="l" defTabSz="457200" rtl="0" eaLnBrk="1" latinLnBrk="0" hangingPunct="1">
+              <a:spcBef>
+                <a:spcPct val="20000"/>
+              </a:spcBef>
+              <a:spcAft>
+                <a:spcPts val="600"/>
+              </a:spcAft>
+              <a:buClr>
+                <a:schemeClr val="accent1"/>
+              </a:buClr>
+              <a:buFont typeface="Wingdings 2" charset="2"/>
+              <a:buChar char=""/>
+              <a:defRPr sz="1200" kern="1200">
+                <a:solidFill>
+                  <a:schemeClr val="tx1"/>
+                </a:solidFill>
+                <a:latin typeface="+mn-lt"/>
+                <a:ea typeface="+mn-ea"/>
+                <a:cs typeface="+mn-cs"/>
+              </a:defRPr>
+            </a:lvl4pPr>
+            <a:lvl5pPr marL="2057400" indent="-228600" algn="l" defTabSz="457200" rtl="0" eaLnBrk="1" latinLnBrk="0" hangingPunct="1">
+              <a:spcBef>
+                <a:spcPct val="20000"/>
+              </a:spcBef>
+              <a:spcAft>
+                <a:spcPts val="600"/>
+              </a:spcAft>
+              <a:buClr>
+                <a:schemeClr val="accent1"/>
+              </a:buClr>
+              <a:buFont typeface="Wingdings 2" charset="2"/>
+              <a:buChar char=""/>
+              <a:defRPr sz="1200" kern="1200">
+                <a:solidFill>
+                  <a:schemeClr val="tx1"/>
+                </a:solidFill>
+                <a:latin typeface="+mn-lt"/>
+                <a:ea typeface="+mn-ea"/>
+                <a:cs typeface="+mn-cs"/>
+              </a:defRPr>
+            </a:lvl5pPr>
+            <a:lvl6pPr marL="2400000" indent="-228600" algn="l" defTabSz="457200" rtl="0" eaLnBrk="1" latinLnBrk="0" hangingPunct="1">
+              <a:spcBef>
+                <a:spcPct val="20000"/>
+              </a:spcBef>
+              <a:spcAft>
+                <a:spcPts val="600"/>
+              </a:spcAft>
+              <a:buClr>
+                <a:schemeClr val="accent1"/>
+              </a:buClr>
+              <a:buFont typeface="Wingdings 2" charset="2"/>
+              <a:buChar char=""/>
+              <a:defRPr sz="1200" kern="1200">
+                <a:solidFill>
+                  <a:schemeClr val="tx1"/>
+                </a:solidFill>
+                <a:latin typeface="+mn-lt"/>
+                <a:ea typeface="+mn-ea"/>
+                <a:cs typeface="+mn-cs"/>
+              </a:defRPr>
+            </a:lvl6pPr>
+            <a:lvl7pPr marL="2800000" indent="-228600" algn="l" defTabSz="457200" rtl="0" eaLnBrk="1" latinLnBrk="0" hangingPunct="1">
+              <a:spcBef>
+                <a:spcPct val="20000"/>
+              </a:spcBef>
+              <a:spcAft>
+                <a:spcPts val="600"/>
+              </a:spcAft>
+              <a:buClr>
+                <a:schemeClr val="accent1"/>
+              </a:buClr>
+              <a:buFont typeface="Wingdings 2" charset="2"/>
+              <a:buChar char=""/>
+              <a:defRPr sz="1200" kern="1200">
+                <a:solidFill>
+                  <a:schemeClr val="tx1"/>
+                </a:solidFill>
+                <a:latin typeface="+mn-lt"/>
+                <a:ea typeface="+mn-ea"/>
+                <a:cs typeface="+mn-cs"/>
+              </a:defRPr>
+            </a:lvl7pPr>
+            <a:lvl8pPr marL="3200000" indent="-228600" algn="l" defTabSz="457200" rtl="0" eaLnBrk="1" latinLnBrk="0" hangingPunct="1">
+              <a:spcBef>
+                <a:spcPct val="20000"/>
+              </a:spcBef>
+              <a:spcAft>
+                <a:spcPts val="600"/>
+              </a:spcAft>
+              <a:buClr>
+                <a:schemeClr val="accent1"/>
+              </a:buClr>
+              <a:buFont typeface="Wingdings 2" charset="2"/>
+              <a:buChar char=""/>
+              <a:defRPr sz="1200" kern="1200">
+                <a:solidFill>
+                  <a:schemeClr val="tx1"/>
+                </a:solidFill>
+                <a:latin typeface="+mn-lt"/>
+                <a:ea typeface="+mn-ea"/>
+                <a:cs typeface="+mn-cs"/>
+              </a:defRPr>
+            </a:lvl8pPr>
+            <a:lvl9pPr marL="3600000" indent="-228600" algn="l" defTabSz="457200" rtl="0" eaLnBrk="1" latinLnBrk="0" hangingPunct="1">
+              <a:spcBef>
+                <a:spcPct val="20000"/>
+              </a:spcBef>
+              <a:spcAft>
+                <a:spcPts val="600"/>
+              </a:spcAft>
+              <a:buClr>
+                <a:schemeClr val="accent1"/>
+              </a:buClr>
+              <a:buFont typeface="Wingdings 2" charset="2"/>
+              <a:buChar char=""/>
+              <a:defRPr sz="1200" kern="1200">
+                <a:solidFill>
+                  <a:schemeClr val="tx1"/>
+                </a:solidFill>
+                <a:latin typeface="+mn-lt"/>
+                <a:ea typeface="+mn-ea"/>
+                <a:cs typeface="+mn-cs"/>
+              </a:defRPr>
+            </a:lvl9pPr>
+          </a:lstStyle>
+          <a:p>
+            <a:pPr marL="0" indent="0">
+              <a:buFont typeface="Wingdings 2" charset="2"/>
+              <a:buNone/>
+            </a:pPr>
+            <a:r>
+              <a:rPr lang="en-US" sz="3200" dirty="0">
+                <a:effectLst>
+                  <a:outerShdw blurRad="50800" dist="38100" dir="2700000" algn="tl" rotWithShape="0">
+                    <a:prstClr val="black">
+                      <a:alpha val="40000"/>
+                    </a:prstClr>
+                  </a:outerShdw>
+                </a:effectLst>
+              </a:rPr>
+              <a:t>An </a:t>
+            </a:r>
+            <a:r>
+              <a:rPr lang="en-US" sz="3200" dirty="0">
+                <a:solidFill>
+                  <a:srgbClr val="C00000"/>
+                </a:solidFill>
+                <a:effectLst>
+                  <a:outerShdw blurRad="50800" dist="38100" dir="2700000" algn="tl" rotWithShape="0">
+                    <a:prstClr val="black">
+                      <a:alpha val="40000"/>
+                    </a:prstClr>
+                  </a:outerShdw>
+                </a:effectLst>
+              </a:rPr>
+              <a:t>error</a:t>
+            </a:r>
+            <a:r>
+              <a:rPr lang="en-US" sz="3200" dirty="0">
+                <a:effectLst>
+                  <a:outerShdw blurRad="50800" dist="38100" dir="2700000" algn="tl" rotWithShape="0">
+                    <a:prstClr val="black">
+                      <a:alpha val="40000"/>
+                    </a:prstClr>
+                  </a:outerShdw>
+                </a:effectLst>
+              </a:rPr>
+              <a:t> appears!</a:t>
+            </a:r>
+          </a:p>
+        </p:txBody>
+      </p:sp>
+    </p:spTree>
+    <p:extLst>
+      <p:ext uri="{BB962C8B-B14F-4D97-AF65-F5344CB8AC3E}">
+        <p14:creationId xmlns:p14="http://schemas.microsoft.com/office/powerpoint/2010/main" val="3604792654"/>
+      </p:ext>
+    </p:extLst>
+  </p:cSld>
+  <p:clrMapOvr>
+    <a:masterClrMapping/>
+  </p:clrMapOvr>
+  <p:timing>
+    <p:tnLst>
+      <p:par>
+        <p:cTn id="1" dur="indefinite" restart="never" nodeType="tmRoot">
+          <p:childTnLst>
+            <p:seq concurrent="1" nextAc="seek">
+              <p:cTn id="2" dur="indefinite" nodeType="mainSeq">
+                <p:childTnLst>
+                  <p:par>
+                    <p:cTn id="3" fill="hold">
+                      <p:stCondLst>
+                        <p:cond delay="indefinite"/>
+                      </p:stCondLst>
+                      <p:childTnLst>
+                        <p:par>
+                          <p:cTn id="4" fill="hold">
+                            <p:stCondLst>
+                              <p:cond delay="0"/>
+                            </p:stCondLst>
+                            <p:childTnLst>
+                              <p:par>
+                                <p:cTn id="5" presetID="2" presetClass="entr" presetSubtype="4" fill="hold" nodeType="clickEffect">
+                                  <p:stCondLst>
+                                    <p:cond delay="0"/>
+                                  </p:stCondLst>
+                                  <p:childTnLst>
+                                    <p:set>
+                                      <p:cBhvr>
+                                        <p:cTn id="6" dur="1" fill="hold">
+                                          <p:stCondLst>
+                                            <p:cond delay="0"/>
+                                          </p:stCondLst>
+                                        </p:cTn>
+                                        <p:tgtEl>
+                                          <p:spTgt spid="5"/>
+                                        </p:tgtEl>
+                                        <p:attrNameLst>
+                                          <p:attrName>style.visibility</p:attrName>
+                                        </p:attrNameLst>
+                                      </p:cBhvr>
+                                      <p:to>
+                                        <p:strVal val="visible"/>
+                                      </p:to>
+                                    </p:set>
+                                    <p:anim calcmode="lin" valueType="num">
+                                      <p:cBhvr additive="base">
+                                        <p:cTn id="7" dur="500" fill="hold"/>
+                                        <p:tgtEl>
+                                          <p:spTgt spid="5"/>
+                                        </p:tgtEl>
+                                        <p:attrNameLst>
+                                          <p:attrName>ppt_x</p:attrName>
+                                        </p:attrNameLst>
+                                      </p:cBhvr>
+                                      <p:tavLst>
+                                        <p:tav tm="0">
+                                          <p:val>
+                                            <p:strVal val="#ppt_x"/>
+                                          </p:val>
+                                        </p:tav>
+                                        <p:tav tm="100000">
+                                          <p:val>
+                                            <p:strVal val="#ppt_x"/>
+                                          </p:val>
+                                        </p:tav>
+                                      </p:tavLst>
+                                    </p:anim>
+                                    <p:anim calcmode="lin" valueType="num">
+                                      <p:cBhvr additive="base">
+                                        <p:cTn id="8" dur="500" fill="hold"/>
+                                        <p:tgtEl>
+                                          <p:spTgt spid="5"/>
+                                        </p:tgtEl>
+                                        <p:attrNameLst>
+                                          <p:attrName>ppt_y</p:attrName>
+                                        </p:attrNameLst>
+                                      </p:cBhvr>
+                                      <p:tavLst>
+                                        <p:tav tm="0">
+                                          <p:val>
+                                            <p:strVal val="1+#ppt_h/2"/>
+                                          </p:val>
+                                        </p:tav>
+                                        <p:tav tm="100000">
+                                          <p:val>
+                                            <p:strVal val="#ppt_y"/>
+                                          </p:val>
+                                        </p:tav>
+                                      </p:tavLst>
+                                    </p:anim>
+                                  </p:childTnLst>
+                                </p:cTn>
+                              </p:par>
+                            </p:childTnLst>
+                          </p:cTn>
+                        </p:par>
+                      </p:childTnLst>
+                    </p:cTn>
+                  </p:par>
+                  <p:par>
+                    <p:cTn id="9" fill="hold">
+                      <p:stCondLst>
+                        <p:cond delay="indefinite"/>
+                      </p:stCondLst>
+                      <p:childTnLst>
+                        <p:par>
+                          <p:cTn id="10" fill="hold">
+                            <p:stCondLst>
+                              <p:cond delay="0"/>
+                            </p:stCondLst>
+                            <p:childTnLst>
+                              <p:par>
+                                <p:cTn id="11" presetID="1" presetClass="mediacall" presetSubtype="0" fill="hold" nodeType="clickEffect">
+                                  <p:stCondLst>
+                                    <p:cond delay="0"/>
+                                  </p:stCondLst>
+                                  <p:childTnLst>
+                                    <p:cmd type="call" cmd="playFrom(0.0)">
+                                      <p:cBhvr>
+                                        <p:cTn id="12" dur="5287" fill="hold"/>
+                                        <p:tgtEl>
+                                          <p:spTgt spid="5"/>
+                                        </p:tgtEl>
+                                      </p:cBhvr>
+                                    </p:cmd>
+                                  </p:childTnLst>
+                                </p:cTn>
+                              </p:par>
+                            </p:childTnLst>
+                          </p:cTn>
+                        </p:par>
+                      </p:childTnLst>
+                    </p:cTn>
+                  </p:par>
+                  <p:par>
+                    <p:cTn id="13" fill="hold">
+                      <p:stCondLst>
+                        <p:cond delay="indefinite"/>
+                      </p:stCondLst>
+                      <p:childTnLst>
+                        <p:par>
+                          <p:cTn id="14" fill="hold">
+                            <p:stCondLst>
+                              <p:cond delay="0"/>
+                            </p:stCondLst>
+                            <p:childTnLst>
+                              <p:par>
+                                <p:cTn id="15" presetID="14" presetClass="entr" presetSubtype="10" fill="hold" grpId="0" nodeType="clickEffect">
+                                  <p:stCondLst>
+                                    <p:cond delay="0"/>
+                                  </p:stCondLst>
+                                  <p:childTnLst>
+                                    <p:set>
+                                      <p:cBhvr>
+                                        <p:cTn id="16" dur="1" fill="hold">
+                                          <p:stCondLst>
+                                            <p:cond delay="0"/>
+                                          </p:stCondLst>
+                                        </p:cTn>
+                                        <p:tgtEl>
+                                          <p:spTgt spid="6"/>
+                                        </p:tgtEl>
+                                        <p:attrNameLst>
+                                          <p:attrName>style.visibility</p:attrName>
+                                        </p:attrNameLst>
+                                      </p:cBhvr>
+                                      <p:to>
+                                        <p:strVal val="visible"/>
+                                      </p:to>
+                                    </p:set>
+                                    <p:animEffect transition="in" filter="randombar(horizontal)">
+                                      <p:cBhvr>
+                                        <p:cTn id="17" dur="500"/>
+                                        <p:tgtEl>
+                                          <p:spTgt spid="6"/>
+                                        </p:tgtEl>
+                                      </p:cBhvr>
+                                    </p:animEffect>
+                                  </p:childTnLst>
+                                </p:cTn>
+                              </p:par>
+                            </p:childTnLst>
+                          </p:cTn>
+                        </p:par>
+                      </p:childTnLst>
+                    </p:cTn>
+                  </p:par>
+                </p:childTnLst>
+              </p:cTn>
+              <p:prevCondLst>
+                <p:cond evt="onPrev" delay="0">
+                  <p:tgtEl>
+                    <p:sldTgt/>
+                  </p:tgtEl>
+                </p:cond>
+              </p:prevCondLst>
+              <p:nextCondLst>
+                <p:cond evt="onNext" delay="0">
+                  <p:tgtEl>
+                    <p:sldTgt/>
+                  </p:tgtEl>
+                </p:cond>
+              </p:nextCondLst>
+            </p:seq>
+            <p:video>
+              <p:cMediaNode vol="80000">
+                <p:cTn id="18" fill="hold" display="0">
+                  <p:stCondLst>
+                    <p:cond delay="indefinite"/>
+                  </p:stCondLst>
+                </p:cTn>
+                <p:tgtEl>
+                  <p:spTgt spid="5"/>
+                </p:tgtEl>
+              </p:cMediaNode>
+            </p:video>
+          </p:childTnLst>
+        </p:cTn>
+      </p:par>
+    </p:tnLst>
+    <p:bldLst>
+      <p:bldP spid="6" grpId="0"/>
+    </p:bldLst>
+  </p:timing>
+</p:sld>
+</file>
+
+<file path=ppt/slides/slide13.xml><?xml version="1.0" encoding="utf-8"?>
+<p:sld xmlns:a="http://schemas.openxmlformats.org/drawingml/2006/main" xmlns:r="http://schemas.openxmlformats.org/officeDocument/2006/relationships" xmlns:p="http://schemas.openxmlformats.org/presentationml/2006/main">
+  <p:cSld>
+    <p:spTree>
+      <p:nvGrpSpPr>
+        <p:cNvPr id="1" name=""/>
+        <p:cNvGrpSpPr/>
+        <p:nvPr/>
+      </p:nvGrpSpPr>
+      <p:grpSpPr>
+        <a:xfrm>
+          <a:off x="0" y="0"/>
+          <a:ext cx="0" cy="0"/>
+          <a:chOff x="0" y="0"/>
+          <a:chExt cx="0" cy="0"/>
+        </a:xfrm>
+      </p:grpSpPr>
+      <p:sp>
+        <p:nvSpPr>
+          <p:cNvPr id="2" name="Title 1">
+            <a:extLst>
+              <a:ext uri="{FF2B5EF4-FFF2-40B4-BE49-F238E27FC236}">
+                <a16:creationId xmlns:a16="http://schemas.microsoft.com/office/drawing/2014/main" id="{51B85B53-AA8F-4D37-8FF9-E9E56896645C}"/>
+              </a:ext>
+            </a:extLst>
+          </p:cNvPr>
+          <p:cNvSpPr>
+            <a:spLocks noGrp="1"/>
+          </p:cNvSpPr>
+          <p:nvPr>
+            <p:ph type="title"/>
+          </p:nvPr>
+        </p:nvSpPr>
+        <p:spPr/>
+        <p:txBody>
+          <a:bodyPr/>
+          <a:lstStyle/>
+          <a:p>
+            <a:r>
+              <a:rPr lang="en-US" dirty="0"/>
+              <a:t>Solution?</a:t>
+            </a:r>
+          </a:p>
+        </p:txBody>
+      </p:sp>
+      <p:sp>
+        <p:nvSpPr>
+          <p:cNvPr id="3" name="Content Placeholder 2">
+            <a:extLst>
+              <a:ext uri="{FF2B5EF4-FFF2-40B4-BE49-F238E27FC236}">
+                <a16:creationId xmlns:a16="http://schemas.microsoft.com/office/drawing/2014/main" id="{99A35079-E5E5-44AE-9A5E-ED980D928C22}"/>
+              </a:ext>
+            </a:extLst>
+          </p:cNvPr>
+          <p:cNvSpPr>
+            <a:spLocks noGrp="1"/>
+          </p:cNvSpPr>
+          <p:nvPr>
+            <p:ph idx="1"/>
+          </p:nvPr>
+        </p:nvSpPr>
+        <p:spPr>
+          <a:xfrm>
+            <a:off x="818712" y="2222287"/>
+            <a:ext cx="10554574" cy="1206713"/>
+          </a:xfrm>
+          <a:effectLst/>
+        </p:spPr>
+        <p:txBody>
+          <a:bodyPr>
+            <a:normAutofit/>
+          </a:bodyPr>
+          <a:lstStyle/>
+          <a:p>
+            <a:r>
+              <a:rPr lang="en-US" sz="2800" dirty="0">
+                <a:solidFill>
+                  <a:srgbClr val="92D050"/>
+                </a:solidFill>
+                <a:effectLst>
+                  <a:outerShdw blurRad="50800" dist="38100" dir="2700000" algn="tl" rotWithShape="0">
+                    <a:prstClr val="black">
+                      <a:alpha val="40000"/>
+                    </a:prstClr>
+                  </a:outerShdw>
+                </a:effectLst>
+              </a:rPr>
+              <a:t>Many</a:t>
+            </a:r>
+            <a:r>
+              <a:rPr lang="en-US" sz="2800" dirty="0">
+                <a:effectLst>
+                  <a:outerShdw blurRad="50800" dist="38100" dir="2700000" algn="tl" rotWithShape="0">
+                    <a:prstClr val="black">
+                      <a:alpha val="40000"/>
+                    </a:prstClr>
+                  </a:outerShdw>
+                </a:effectLst>
+              </a:rPr>
+              <a:t> exist</a:t>
+            </a:r>
+          </a:p>
+          <a:p>
+            <a:r>
+              <a:rPr lang="en-US" sz="2800" dirty="0">
+                <a:effectLst>
+                  <a:outerShdw blurRad="50800" dist="38100" dir="2700000" algn="tl" rotWithShape="0">
+                    <a:prstClr val="black">
+                      <a:alpha val="40000"/>
+                    </a:prstClr>
+                  </a:outerShdw>
+                </a:effectLst>
+              </a:rPr>
+              <a:t>We will cover them later, but what we have works for now</a:t>
+            </a:r>
+          </a:p>
+        </p:txBody>
+      </p:sp>
+      <p:sp>
+        <p:nvSpPr>
+          <p:cNvPr id="5" name="TextBox 4">
+            <a:extLst>
+              <a:ext uri="{FF2B5EF4-FFF2-40B4-BE49-F238E27FC236}">
+                <a16:creationId xmlns:a16="http://schemas.microsoft.com/office/drawing/2014/main" id="{77D3E157-46A8-45CA-B02F-F917344A4E14}"/>
+              </a:ext>
+            </a:extLst>
+          </p:cNvPr>
+          <p:cNvSpPr txBox="1"/>
+          <p:nvPr/>
+        </p:nvSpPr>
+        <p:spPr>
+          <a:xfrm>
+            <a:off x="2644943" y="4301107"/>
+            <a:ext cx="4959016" cy="1200329"/>
+          </a:xfrm>
+          <a:prstGeom prst="rect">
+            <a:avLst/>
+          </a:prstGeom>
+          <a:noFill/>
+          <a:effectLst/>
+        </p:spPr>
+        <p:txBody>
+          <a:bodyPr wrap="square">
+            <a:spAutoFit/>
+          </a:bodyPr>
+          <a:lstStyle/>
+          <a:p>
+            <a:r>
+              <a:rPr lang="ja-JP" altLang="en-US" sz="7200" dirty="0">
+                <a:effectLst>
+                  <a:outerShdw blurRad="50800" dist="38100" dir="2700000" algn="tl" rotWithShape="0">
+                    <a:prstClr val="black">
+                      <a:alpha val="40000"/>
+                    </a:prstClr>
+                  </a:outerShdw>
+                </a:effectLst>
+              </a:rPr>
+              <a:t> </a:t>
+            </a:r>
+            <a:r>
+              <a:rPr lang="en-US" altLang="ja-JP" sz="7200" dirty="0">
+                <a:effectLst>
+                  <a:outerShdw blurRad="50800" dist="38100" dir="2700000" algn="tl" rotWithShape="0">
+                    <a:prstClr val="black">
+                      <a:alpha val="40000"/>
+                    </a:prstClr>
+                  </a:outerShdw>
+                </a:effectLst>
+              </a:rPr>
+              <a:t>¯\_(</a:t>
+            </a:r>
+            <a:r>
+              <a:rPr lang="ja-JP" altLang="en-US" sz="7200" dirty="0">
+                <a:effectLst>
+                  <a:outerShdw blurRad="50800" dist="38100" dir="2700000" algn="tl" rotWithShape="0">
+                    <a:prstClr val="black">
+                      <a:alpha val="40000"/>
+                    </a:prstClr>
+                  </a:outerShdw>
+                </a:effectLst>
+              </a:rPr>
+              <a:t>ツ</a:t>
+            </a:r>
+            <a:r>
+              <a:rPr lang="en-US" altLang="ja-JP" sz="7200" dirty="0">
+                <a:effectLst>
+                  <a:outerShdw blurRad="50800" dist="38100" dir="2700000" algn="tl" rotWithShape="0">
+                    <a:prstClr val="black">
+                      <a:alpha val="40000"/>
+                    </a:prstClr>
+                  </a:outerShdw>
+                </a:effectLst>
+              </a:rPr>
+              <a:t>)_/¯</a:t>
+            </a:r>
+            <a:endParaRPr lang="en-US" sz="7200" dirty="0">
+              <a:effectLst>
+                <a:outerShdw blurRad="50800" dist="38100" dir="2700000" algn="tl" rotWithShape="0">
+                  <a:prstClr val="black">
+                    <a:alpha val="40000"/>
+                  </a:prstClr>
+                </a:outerShdw>
+              </a:effectLst>
+            </a:endParaRPr>
+          </a:p>
+        </p:txBody>
+      </p:sp>
+    </p:spTree>
+    <p:extLst>
+      <p:ext uri="{BB962C8B-B14F-4D97-AF65-F5344CB8AC3E}">
+        <p14:creationId xmlns:p14="http://schemas.microsoft.com/office/powerpoint/2010/main" val="443360388"/>
+      </p:ext>
+    </p:extLst>
+  </p:cSld>
+  <p:clrMapOvr>
+    <a:masterClrMapping/>
+  </p:clrMapOvr>
+  <p:timing>
+    <p:tnLst>
+      <p:par>
+        <p:cTn id="1" dur="indefinite" restart="never" nodeType="tmRoot">
+          <p:childTnLst>
+            <p:seq concurrent="1" nextAc="seek">
+              <p:cTn id="2" dur="indefinite" nodeType="mainSeq">
+                <p:childTnLst>
+                  <p:par>
+                    <p:cTn id="3" fill="hold">
+                      <p:stCondLst>
+                        <p:cond delay="indefinite"/>
+                      </p:stCondLst>
+                      <p:childTnLst>
+                        <p:par>
+                          <p:cTn id="4" fill="hold">
+                            <p:stCondLst>
+                              <p:cond delay="0"/>
+                            </p:stCondLst>
+                            <p:childTnLst>
+                              <p:par>
+                                <p:cTn id="5" presetID="2" presetClass="entr" presetSubtype="4" fill="hold" grpId="0" nodeType="clickEffect">
+                                  <p:stCondLst>
+                                    <p:cond delay="0"/>
+                                  </p:stCondLst>
+                                  <p:childTnLst>
+                                    <p:set>
+                                      <p:cBhvr>
+                                        <p:cTn id="6" dur="1" fill="hold">
+                                          <p:stCondLst>
+                                            <p:cond delay="0"/>
+                                          </p:stCondLst>
+                                        </p:cTn>
+                                        <p:tgtEl>
+                                          <p:spTgt spid="3">
+                                            <p:txEl>
+                                              <p:pRg st="0" end="0"/>
+                                            </p:txEl>
+                                          </p:spTgt>
+                                        </p:tgtEl>
+                                        <p:attrNameLst>
+                                          <p:attrName>style.visibility</p:attrName>
+                                        </p:attrNameLst>
+                                      </p:cBhvr>
+                                      <p:to>
+                                        <p:strVal val="visible"/>
+                                      </p:to>
+                                    </p:set>
+                                    <p:anim calcmode="lin" valueType="num">
+                                      <p:cBhvr additive="base">
+                                        <p:cTn id="7" dur="500" fill="hold"/>
+                                        <p:tgtEl>
+                                          <p:spTgt spid="3">
+                                            <p:txEl>
+                                              <p:pRg st="0" end="0"/>
+                                            </p:txEl>
+                                          </p:spTgt>
+                                        </p:tgtEl>
+                                        <p:attrNameLst>
+                                          <p:attrName>ppt_x</p:attrName>
+                                        </p:attrNameLst>
+                                      </p:cBhvr>
+                                      <p:tavLst>
+                                        <p:tav tm="0">
+                                          <p:val>
+                                            <p:strVal val="#ppt_x"/>
+                                          </p:val>
+                                        </p:tav>
+                                        <p:tav tm="100000">
+                                          <p:val>
+                                            <p:strVal val="#ppt_x"/>
+                                          </p:val>
+                                        </p:tav>
+                                      </p:tavLst>
+                                    </p:anim>
+                                    <p:anim calcmode="lin" valueType="num">
+                                      <p:cBhvr additive="base">
+                                        <p:cTn id="8" dur="500" fill="hold"/>
+                                        <p:tgtEl>
+                                          <p:spTgt spid="3">
+                                            <p:txEl>
+                                              <p:pRg st="0" end="0"/>
+                                            </p:txEl>
+                                          </p:spTgt>
+                                        </p:tgtEl>
+                                        <p:attrNameLst>
+                                          <p:attrName>ppt_y</p:attrName>
+                                        </p:attrNameLst>
+                                      </p:cBhvr>
+                                      <p:tavLst>
+                                        <p:tav tm="0">
+                                          <p:val>
+                                            <p:strVal val="1+#ppt_h/2"/>
+                                          </p:val>
+                                        </p:tav>
+                                        <p:tav tm="100000">
+                                          <p:val>
+                                            <p:strVal val="#ppt_y"/>
+                                          </p:val>
+                                        </p:tav>
+                                      </p:tavLst>
+                                    </p:anim>
+                                  </p:childTnLst>
+                                </p:cTn>
+                              </p:par>
+                            </p:childTnLst>
+                          </p:cTn>
+                        </p:par>
+                      </p:childTnLst>
+                    </p:cTn>
+                  </p:par>
+                  <p:par>
+                    <p:cTn id="9" fill="hold">
+                      <p:stCondLst>
+                        <p:cond delay="indefinite"/>
+                      </p:stCondLst>
+                      <p:childTnLst>
+                        <p:par>
+                          <p:cTn id="10" fill="hold">
+                            <p:stCondLst>
+                              <p:cond delay="0"/>
+                            </p:stCondLst>
+                            <p:childTnLst>
+                              <p:par>
+                                <p:cTn id="11" presetID="2" presetClass="entr" presetSubtype="4" fill="hold" grpId="0" nodeType="clickEffect">
+                                  <p:stCondLst>
+                                    <p:cond delay="0"/>
+                                  </p:stCondLst>
+                                  <p:childTnLst>
+                                    <p:set>
+                                      <p:cBhvr>
+                                        <p:cTn id="12" dur="1" fill="hold">
+                                          <p:stCondLst>
+                                            <p:cond delay="0"/>
+                                          </p:stCondLst>
+                                        </p:cTn>
+                                        <p:tgtEl>
+                                          <p:spTgt spid="3">
+                                            <p:txEl>
+                                              <p:pRg st="1" end="1"/>
+                                            </p:txEl>
+                                          </p:spTgt>
+                                        </p:tgtEl>
+                                        <p:attrNameLst>
+                                          <p:attrName>style.visibility</p:attrName>
+                                        </p:attrNameLst>
+                                      </p:cBhvr>
+                                      <p:to>
+                                        <p:strVal val="visible"/>
+                                      </p:to>
+                                    </p:set>
+                                    <p:anim calcmode="lin" valueType="num">
+                                      <p:cBhvr additive="base">
+                                        <p:cTn id="13" dur="500" fill="hold"/>
+                                        <p:tgtEl>
+                                          <p:spTgt spid="3">
+                                            <p:txEl>
+                                              <p:pRg st="1" end="1"/>
+                                            </p:txEl>
+                                          </p:spTgt>
+                                        </p:tgtEl>
+                                        <p:attrNameLst>
+                                          <p:attrName>ppt_x</p:attrName>
+                                        </p:attrNameLst>
+                                      </p:cBhvr>
+                                      <p:tavLst>
+                                        <p:tav tm="0">
+                                          <p:val>
+                                            <p:strVal val="#ppt_x"/>
+                                          </p:val>
+                                        </p:tav>
+                                        <p:tav tm="100000">
+                                          <p:val>
+                                            <p:strVal val="#ppt_x"/>
+                                          </p:val>
+                                        </p:tav>
+                                      </p:tavLst>
+                                    </p:anim>
+                                    <p:anim calcmode="lin" valueType="num">
+                                      <p:cBhvr additive="base">
+                                        <p:cTn id="14" dur="500" fill="hold"/>
+                                        <p:tgtEl>
+                                          <p:spTgt spid="3">
+                                            <p:txEl>
+                                              <p:pRg st="1" end="1"/>
+                                            </p:txEl>
+                                          </p:spTgt>
+                                        </p:tgtEl>
+                                        <p:attrNameLst>
+                                          <p:attrName>ppt_y</p:attrName>
+                                        </p:attrNameLst>
+                                      </p:cBhvr>
+                                      <p:tavLst>
+                                        <p:tav tm="0">
+                                          <p:val>
+                                            <p:strVal val="1+#ppt_h/2"/>
+                                          </p:val>
+                                        </p:tav>
+                                        <p:tav tm="100000">
+                                          <p:val>
+                                            <p:strVal val="#ppt_y"/>
+                                          </p:val>
+                                        </p:tav>
+                                      </p:tavLst>
+                                    </p:anim>
+                                  </p:childTnLst>
+                                </p:cTn>
+                              </p:par>
+                            </p:childTnLst>
+                          </p:cTn>
+                        </p:par>
+                      </p:childTnLst>
+                    </p:cTn>
+                  </p:par>
+                  <p:par>
+                    <p:cTn id="15" fill="hold">
+                      <p:stCondLst>
+                        <p:cond delay="indefinite"/>
+                      </p:stCondLst>
+                      <p:childTnLst>
+                        <p:par>
+                          <p:cTn id="16" fill="hold">
+                            <p:stCondLst>
+                              <p:cond delay="0"/>
+                            </p:stCondLst>
+                            <p:childTnLst>
+                              <p:par>
+                                <p:cTn id="17" presetID="42" presetClass="entr" presetSubtype="0" fill="hold" nodeType="clickEffect">
+                                  <p:stCondLst>
+                                    <p:cond delay="0"/>
+                                  </p:stCondLst>
+                                  <p:childTnLst>
+                                    <p:set>
+                                      <p:cBhvr>
+                                        <p:cTn id="18" dur="1" fill="hold">
+                                          <p:stCondLst>
+                                            <p:cond delay="0"/>
+                                          </p:stCondLst>
+                                        </p:cTn>
+                                        <p:tgtEl>
+                                          <p:spTgt spid="5">
+                                            <p:txEl>
+                                              <p:pRg st="0" end="0"/>
+                                            </p:txEl>
+                                          </p:spTgt>
+                                        </p:tgtEl>
+                                        <p:attrNameLst>
+                                          <p:attrName>style.visibility</p:attrName>
+                                        </p:attrNameLst>
+                                      </p:cBhvr>
+                                      <p:to>
+                                        <p:strVal val="visible"/>
+                                      </p:to>
+                                    </p:set>
+                                    <p:animEffect transition="in" filter="fade">
+                                      <p:cBhvr>
+                                        <p:cTn id="19" dur="1000"/>
+                                        <p:tgtEl>
+                                          <p:spTgt spid="5">
+                                            <p:txEl>
+                                              <p:pRg st="0" end="0"/>
+                                            </p:txEl>
+                                          </p:spTgt>
+                                        </p:tgtEl>
+                                      </p:cBhvr>
+                                    </p:animEffect>
+                                    <p:anim calcmode="lin" valueType="num">
+                                      <p:cBhvr>
+                                        <p:cTn id="20" dur="1000" fill="hold"/>
+                                        <p:tgtEl>
+                                          <p:spTgt spid="5">
+                                            <p:txEl>
+                                              <p:pRg st="0" end="0"/>
+                                            </p:txEl>
+                                          </p:spTgt>
+                                        </p:tgtEl>
+                                        <p:attrNameLst>
+                                          <p:attrName>ppt_x</p:attrName>
+                                        </p:attrNameLst>
+                                      </p:cBhvr>
+                                      <p:tavLst>
+                                        <p:tav tm="0">
+                                          <p:val>
+                                            <p:strVal val="#ppt_x"/>
+                                          </p:val>
+                                        </p:tav>
+                                        <p:tav tm="100000">
+                                          <p:val>
+                                            <p:strVal val="#ppt_x"/>
+                                          </p:val>
+                                        </p:tav>
+                                      </p:tavLst>
+                                    </p:anim>
+                                    <p:anim calcmode="lin" valueType="num">
+                                      <p:cBhvr>
+                                        <p:cTn id="21" dur="1000" fill="hold"/>
+                                        <p:tgtEl>
+                                          <p:spTgt spid="5">
+                                            <p:txEl>
+                                              <p:pRg st="0" end="0"/>
+                                            </p:txEl>
+                                          </p:spTgt>
+                                        </p:tgtEl>
+                                        <p:attrNameLst>
+                                          <p:attrName>ppt_y</p:attrName>
+                                        </p:attrNameLst>
+                                      </p:cBhvr>
+                                      <p:tavLst>
+                                        <p:tav tm="0">
+                                          <p:val>
+                                            <p:strVal val="#ppt_y+.1"/>
+                                          </p:val>
+                                        </p:tav>
+                                        <p:tav tm="100000">
+                                          <p:val>
+                                            <p:strVal val="#ppt_y"/>
+                                          </p:val>
+                                        </p:tav>
+                                      </p:tavLst>
+                                    </p:anim>
+                                  </p:childTnLst>
+                                </p:cTn>
+                              </p:par>
+                            </p:childTnLst>
+                          </p:cTn>
+                        </p:par>
+                      </p:childTnLst>
+                    </p:cTn>
+                  </p:par>
+                </p:childTnLst>
+              </p:cTn>
+              <p:prevCondLst>
+                <p:cond evt="onPrev" delay="0">
+                  <p:tgtEl>
+                    <p:sldTgt/>
+                  </p:tgtEl>
+                </p:cond>
+              </p:prevCondLst>
+              <p:nextCondLst>
+                <p:cond evt="onNext" delay="0">
+                  <p:tgtEl>
+                    <p:sldTgt/>
+                  </p:tgtEl>
+                </p:cond>
+              </p:nextCondLst>
+            </p:seq>
+          </p:childTnLst>
+        </p:cTn>
+      </p:par>
+    </p:tnLst>
+    <p:bldLst>
+      <p:bldP spid="3" grpId="0" build="p"/>
+    </p:bldLst>
+  </p:timing>
 </p:sld>
 </file>
 
@@ -6478,6 +8376,13 @@
                 <a:solidFill>
                   <a:srgbClr val="00B0F0"/>
                 </a:solidFill>
+                <a:effectLst>
+                  <a:outerShdw blurRad="50800" dist="38100" dir="2700000" algn="tl" rotWithShape="0">
+                    <a:prstClr val="black">
+                      <a:alpha val="40000"/>
+                    </a:prstClr>
+                  </a:outerShdw>
+                </a:effectLst>
               </a:rPr>
               <a:t>Scanner</a:t>
             </a:r>
@@ -8316,6 +10221,41 @@
                       </p:childTnLst>
                     </p:cTn>
                   </p:par>
+                  <p:par>
+                    <p:cTn id="19" fill="hold">
+                      <p:stCondLst>
+                        <p:cond delay="indefinite"/>
+                      </p:stCondLst>
+                      <p:childTnLst>
+                        <p:par>
+                          <p:cTn id="20" fill="hold">
+                            <p:stCondLst>
+                              <p:cond delay="0"/>
+                            </p:stCondLst>
+                            <p:childTnLst>
+                              <p:par>
+                                <p:cTn id="21" presetID="1" presetClass="mediacall" presetSubtype="0" fill="hold" nodeType="clickEffect">
+                                  <p:stCondLst>
+                                    <p:cond delay="0"/>
+                                  </p:stCondLst>
+                                  <p:childTnLst>
+                                    <p:cmd type="call" cmd="playFrom(0.0)">
+                                      <p:cBhvr>
+                                        <p:cTn id="22" dur="6893" fill="hold"/>
+                                        <p:tgtEl>
+                                          <p:spTgt spid="10"/>
+                                        </p:tgtEl>
+                                      </p:cBhvr>
+                                    </p:cmd>
+                                  </p:childTnLst>
+                                </p:cTn>
+                              </p:par>
+                            </p:childTnLst>
+                          </p:cTn>
+                        </p:par>
+                      </p:childTnLst>
+                    </p:cTn>
+                  </p:par>
                 </p:childTnLst>
               </p:cTn>
               <p:prevCondLst>
@@ -8335,7 +10275,7 @@
             </p:seq>
             <p:video>
               <p:cMediaNode vol="80000">
-                <p:cTn id="19" fill="hold" display="0">
+                <p:cTn id="23" fill="hold" display="0">
                   <p:stCondLst>
                     <p:cond delay="indefinite"/>
                   </p:stCondLst>
@@ -8354,6 +10294,904 @@
       <p:bldP spid="7" grpId="0" animBg="1"/>
     </p:bldLst>
   </p:timing>
+</p:sld>
+</file>
+
+<file path=ppt/slides/slide8.xml><?xml version="1.0" encoding="utf-8"?>
+<p:sld xmlns:a="http://schemas.openxmlformats.org/drawingml/2006/main" xmlns:r="http://schemas.openxmlformats.org/officeDocument/2006/relationships" xmlns:p="http://schemas.openxmlformats.org/presentationml/2006/main">
+  <p:cSld>
+    <p:spTree>
+      <p:nvGrpSpPr>
+        <p:cNvPr id="1" name=""/>
+        <p:cNvGrpSpPr/>
+        <p:nvPr/>
+      </p:nvGrpSpPr>
+      <p:grpSpPr>
+        <a:xfrm>
+          <a:off x="0" y="0"/>
+          <a:ext cx="0" cy="0"/>
+          <a:chOff x="0" y="0"/>
+          <a:chExt cx="0" cy="0"/>
+        </a:xfrm>
+      </p:grpSpPr>
+      <p:sp>
+        <p:nvSpPr>
+          <p:cNvPr id="2" name="Title 1">
+            <a:extLst>
+              <a:ext uri="{FF2B5EF4-FFF2-40B4-BE49-F238E27FC236}">
+                <a16:creationId xmlns:a16="http://schemas.microsoft.com/office/drawing/2014/main" id="{787CDACC-FAF8-49B4-965C-61FB6A87F20F}"/>
+              </a:ext>
+            </a:extLst>
+          </p:cNvPr>
+          <p:cNvSpPr>
+            <a:spLocks noGrp="1"/>
+          </p:cNvSpPr>
+          <p:nvPr>
+            <p:ph type="title"/>
+          </p:nvPr>
+        </p:nvSpPr>
+        <p:spPr/>
+        <p:txBody>
+          <a:bodyPr/>
+          <a:lstStyle/>
+          <a:p>
+            <a:r>
+              <a:rPr lang="en-US" dirty="0">
+                <a:solidFill>
+                  <a:srgbClr val="00B0F0"/>
+                </a:solidFill>
+                <a:effectLst>
+                  <a:outerShdw blurRad="50800" dist="38100" dir="2700000" algn="tl" rotWithShape="0">
+                    <a:prstClr val="black">
+                      <a:alpha val="40000"/>
+                    </a:prstClr>
+                  </a:outerShdw>
+                </a:effectLst>
+              </a:rPr>
+              <a:t>Scanner</a:t>
+            </a:r>
+            <a:r>
+              <a:rPr lang="en-US" dirty="0">
+                <a:effectLst>
+                  <a:outerShdw blurRad="50800" dist="38100" dir="2700000" algn="tl" rotWithShape="0">
+                    <a:prstClr val="black">
+                      <a:alpha val="40000"/>
+                    </a:prstClr>
+                  </a:outerShdw>
+                </a:effectLst>
+              </a:rPr>
+              <a:t> </a:t>
+            </a:r>
+            <a:r>
+              <a:rPr lang="en-US" dirty="0">
+                <a:solidFill>
+                  <a:srgbClr val="00B050"/>
+                </a:solidFill>
+                <a:effectLst>
+                  <a:outerShdw blurRad="50800" dist="38100" dir="2700000" algn="tl" rotWithShape="0">
+                    <a:prstClr val="black">
+                      <a:alpha val="40000"/>
+                    </a:prstClr>
+                  </a:outerShdw>
+                </a:effectLst>
+              </a:rPr>
+              <a:t>methods</a:t>
+            </a:r>
+          </a:p>
+        </p:txBody>
+      </p:sp>
+      <p:sp>
+        <p:nvSpPr>
+          <p:cNvPr id="3" name="Content Placeholder 2">
+            <a:extLst>
+              <a:ext uri="{FF2B5EF4-FFF2-40B4-BE49-F238E27FC236}">
+                <a16:creationId xmlns:a16="http://schemas.microsoft.com/office/drawing/2014/main" id="{DBA635E0-B556-45FE-B920-EAC7E435070D}"/>
+              </a:ext>
+            </a:extLst>
+          </p:cNvPr>
+          <p:cNvSpPr>
+            <a:spLocks noGrp="1"/>
+          </p:cNvSpPr>
+          <p:nvPr>
+            <p:ph idx="1"/>
+          </p:nvPr>
+        </p:nvSpPr>
+        <p:spPr>
+          <a:effectLst/>
+        </p:spPr>
+        <p:txBody>
+          <a:bodyPr>
+            <a:normAutofit/>
+          </a:bodyPr>
+          <a:lstStyle/>
+          <a:p>
+            <a:pPr marL="0" indent="0">
+              <a:buNone/>
+            </a:pPr>
+            <a:r>
+              <a:rPr lang="en-US" sz="3200" dirty="0" err="1">
+                <a:effectLst>
+                  <a:outerShdw blurRad="50800" dist="38100" dir="2700000" algn="tl" rotWithShape="0">
+                    <a:prstClr val="black">
+                      <a:alpha val="40000"/>
+                    </a:prstClr>
+                  </a:outerShdw>
+                </a:effectLst>
+              </a:rPr>
+              <a:t>Input.</a:t>
+            </a:r>
+            <a:r>
+              <a:rPr lang="en-US" sz="3200" dirty="0" err="1">
+                <a:solidFill>
+                  <a:srgbClr val="00B050"/>
+                </a:solidFill>
+                <a:effectLst>
+                  <a:outerShdw blurRad="50800" dist="38100" dir="2700000" algn="tl" rotWithShape="0">
+                    <a:prstClr val="black">
+                      <a:alpha val="40000"/>
+                    </a:prstClr>
+                  </a:outerShdw>
+                </a:effectLst>
+              </a:rPr>
+              <a:t>nextLine</a:t>
+            </a:r>
+            <a:r>
+              <a:rPr lang="en-US" sz="3200" dirty="0">
+                <a:effectLst>
+                  <a:outerShdw blurRad="50800" dist="38100" dir="2700000" algn="tl" rotWithShape="0">
+                    <a:prstClr val="black">
+                      <a:alpha val="40000"/>
+                    </a:prstClr>
+                  </a:outerShdw>
+                </a:effectLst>
+              </a:rPr>
+              <a:t>()  -&gt; For strings</a:t>
+            </a:r>
+          </a:p>
+          <a:p>
+            <a:pPr marL="0" indent="0">
+              <a:buNone/>
+            </a:pPr>
+            <a:endParaRPr lang="en-US" sz="3200" dirty="0">
+              <a:effectLst>
+                <a:outerShdw blurRad="50800" dist="38100" dir="2700000" algn="tl" rotWithShape="0">
+                  <a:prstClr val="black">
+                    <a:alpha val="40000"/>
+                  </a:prstClr>
+                </a:outerShdw>
+              </a:effectLst>
+            </a:endParaRPr>
+          </a:p>
+          <a:p>
+            <a:pPr marL="0" indent="0">
+              <a:buNone/>
+            </a:pPr>
+            <a:r>
+              <a:rPr lang="en-US" sz="3200" dirty="0">
+                <a:effectLst>
+                  <a:outerShdw blurRad="50800" dist="38100" dir="2700000" algn="tl" rotWithShape="0">
+                    <a:prstClr val="black">
+                      <a:alpha val="40000"/>
+                    </a:prstClr>
+                  </a:outerShdw>
+                </a:effectLst>
+              </a:rPr>
+              <a:t>To read other data types we use other </a:t>
+            </a:r>
+            <a:r>
+              <a:rPr lang="en-US" sz="3200" dirty="0">
+                <a:solidFill>
+                  <a:srgbClr val="00B050"/>
+                </a:solidFill>
+                <a:effectLst>
+                  <a:outerShdw blurRad="50800" dist="38100" dir="2700000" algn="tl" rotWithShape="0">
+                    <a:prstClr val="black">
+                      <a:alpha val="40000"/>
+                    </a:prstClr>
+                  </a:outerShdw>
+                </a:effectLst>
+              </a:rPr>
+              <a:t>methods</a:t>
+            </a:r>
+            <a:r>
+              <a:rPr lang="en-US" sz="3200" dirty="0">
+                <a:effectLst>
+                  <a:outerShdw blurRad="50800" dist="38100" dir="2700000" algn="tl" rotWithShape="0">
+                    <a:prstClr val="black">
+                      <a:alpha val="40000"/>
+                    </a:prstClr>
+                  </a:outerShdw>
+                </a:effectLst>
+              </a:rPr>
+              <a:t>.</a:t>
+            </a:r>
+          </a:p>
+        </p:txBody>
+      </p:sp>
+    </p:spTree>
+    <p:extLst>
+      <p:ext uri="{BB962C8B-B14F-4D97-AF65-F5344CB8AC3E}">
+        <p14:creationId xmlns:p14="http://schemas.microsoft.com/office/powerpoint/2010/main" val="2626416349"/>
+      </p:ext>
+    </p:extLst>
+  </p:cSld>
+  <p:clrMapOvr>
+    <a:masterClrMapping/>
+  </p:clrMapOvr>
+  <p:timing>
+    <p:tnLst>
+      <p:par>
+        <p:cTn id="1" dur="indefinite" restart="never" nodeType="tmRoot">
+          <p:childTnLst>
+            <p:seq concurrent="1" nextAc="seek">
+              <p:cTn id="2" dur="indefinite" nodeType="mainSeq">
+                <p:childTnLst>
+                  <p:par>
+                    <p:cTn id="3" fill="hold">
+                      <p:stCondLst>
+                        <p:cond delay="indefinite"/>
+                      </p:stCondLst>
+                      <p:childTnLst>
+                        <p:par>
+                          <p:cTn id="4" fill="hold">
+                            <p:stCondLst>
+                              <p:cond delay="0"/>
+                            </p:stCondLst>
+                            <p:childTnLst>
+                              <p:par>
+                                <p:cTn id="5" presetID="2" presetClass="entr" presetSubtype="4" fill="hold" grpId="0" nodeType="clickEffect">
+                                  <p:stCondLst>
+                                    <p:cond delay="0"/>
+                                  </p:stCondLst>
+                                  <p:childTnLst>
+                                    <p:set>
+                                      <p:cBhvr>
+                                        <p:cTn id="6" dur="1" fill="hold">
+                                          <p:stCondLst>
+                                            <p:cond delay="0"/>
+                                          </p:stCondLst>
+                                        </p:cTn>
+                                        <p:tgtEl>
+                                          <p:spTgt spid="3">
+                                            <p:txEl>
+                                              <p:pRg st="0" end="0"/>
+                                            </p:txEl>
+                                          </p:spTgt>
+                                        </p:tgtEl>
+                                        <p:attrNameLst>
+                                          <p:attrName>style.visibility</p:attrName>
+                                        </p:attrNameLst>
+                                      </p:cBhvr>
+                                      <p:to>
+                                        <p:strVal val="visible"/>
+                                      </p:to>
+                                    </p:set>
+                                    <p:anim calcmode="lin" valueType="num">
+                                      <p:cBhvr additive="base">
+                                        <p:cTn id="7" dur="500" fill="hold"/>
+                                        <p:tgtEl>
+                                          <p:spTgt spid="3">
+                                            <p:txEl>
+                                              <p:pRg st="0" end="0"/>
+                                            </p:txEl>
+                                          </p:spTgt>
+                                        </p:tgtEl>
+                                        <p:attrNameLst>
+                                          <p:attrName>ppt_x</p:attrName>
+                                        </p:attrNameLst>
+                                      </p:cBhvr>
+                                      <p:tavLst>
+                                        <p:tav tm="0">
+                                          <p:val>
+                                            <p:strVal val="#ppt_x"/>
+                                          </p:val>
+                                        </p:tav>
+                                        <p:tav tm="100000">
+                                          <p:val>
+                                            <p:strVal val="#ppt_x"/>
+                                          </p:val>
+                                        </p:tav>
+                                      </p:tavLst>
+                                    </p:anim>
+                                    <p:anim calcmode="lin" valueType="num">
+                                      <p:cBhvr additive="base">
+                                        <p:cTn id="8" dur="500" fill="hold"/>
+                                        <p:tgtEl>
+                                          <p:spTgt spid="3">
+                                            <p:txEl>
+                                              <p:pRg st="0" end="0"/>
+                                            </p:txEl>
+                                          </p:spTgt>
+                                        </p:tgtEl>
+                                        <p:attrNameLst>
+                                          <p:attrName>ppt_y</p:attrName>
+                                        </p:attrNameLst>
+                                      </p:cBhvr>
+                                      <p:tavLst>
+                                        <p:tav tm="0">
+                                          <p:val>
+                                            <p:strVal val="1+#ppt_h/2"/>
+                                          </p:val>
+                                        </p:tav>
+                                        <p:tav tm="100000">
+                                          <p:val>
+                                            <p:strVal val="#ppt_y"/>
+                                          </p:val>
+                                        </p:tav>
+                                      </p:tavLst>
+                                    </p:anim>
+                                  </p:childTnLst>
+                                </p:cTn>
+                              </p:par>
+                            </p:childTnLst>
+                          </p:cTn>
+                        </p:par>
+                      </p:childTnLst>
+                    </p:cTn>
+                  </p:par>
+                  <p:par>
+                    <p:cTn id="9" fill="hold">
+                      <p:stCondLst>
+                        <p:cond delay="indefinite"/>
+                      </p:stCondLst>
+                      <p:childTnLst>
+                        <p:par>
+                          <p:cTn id="10" fill="hold">
+                            <p:stCondLst>
+                              <p:cond delay="0"/>
+                            </p:stCondLst>
+                            <p:childTnLst>
+                              <p:par>
+                                <p:cTn id="11" presetID="2" presetClass="entr" presetSubtype="4" fill="hold" grpId="0" nodeType="clickEffect">
+                                  <p:stCondLst>
+                                    <p:cond delay="0"/>
+                                  </p:stCondLst>
+                                  <p:childTnLst>
+                                    <p:set>
+                                      <p:cBhvr>
+                                        <p:cTn id="12" dur="1" fill="hold">
+                                          <p:stCondLst>
+                                            <p:cond delay="0"/>
+                                          </p:stCondLst>
+                                        </p:cTn>
+                                        <p:tgtEl>
+                                          <p:spTgt spid="3">
+                                            <p:txEl>
+                                              <p:pRg st="2" end="2"/>
+                                            </p:txEl>
+                                          </p:spTgt>
+                                        </p:tgtEl>
+                                        <p:attrNameLst>
+                                          <p:attrName>style.visibility</p:attrName>
+                                        </p:attrNameLst>
+                                      </p:cBhvr>
+                                      <p:to>
+                                        <p:strVal val="visible"/>
+                                      </p:to>
+                                    </p:set>
+                                    <p:anim calcmode="lin" valueType="num">
+                                      <p:cBhvr additive="base">
+                                        <p:cTn id="13" dur="500" fill="hold"/>
+                                        <p:tgtEl>
+                                          <p:spTgt spid="3">
+                                            <p:txEl>
+                                              <p:pRg st="2" end="2"/>
+                                            </p:txEl>
+                                          </p:spTgt>
+                                        </p:tgtEl>
+                                        <p:attrNameLst>
+                                          <p:attrName>ppt_x</p:attrName>
+                                        </p:attrNameLst>
+                                      </p:cBhvr>
+                                      <p:tavLst>
+                                        <p:tav tm="0">
+                                          <p:val>
+                                            <p:strVal val="#ppt_x"/>
+                                          </p:val>
+                                        </p:tav>
+                                        <p:tav tm="100000">
+                                          <p:val>
+                                            <p:strVal val="#ppt_x"/>
+                                          </p:val>
+                                        </p:tav>
+                                      </p:tavLst>
+                                    </p:anim>
+                                    <p:anim calcmode="lin" valueType="num">
+                                      <p:cBhvr additive="base">
+                                        <p:cTn id="14" dur="500" fill="hold"/>
+                                        <p:tgtEl>
+                                          <p:spTgt spid="3">
+                                            <p:txEl>
+                                              <p:pRg st="2" end="2"/>
+                                            </p:txEl>
+                                          </p:spTgt>
+                                        </p:tgtEl>
+                                        <p:attrNameLst>
+                                          <p:attrName>ppt_y</p:attrName>
+                                        </p:attrNameLst>
+                                      </p:cBhvr>
+                                      <p:tavLst>
+                                        <p:tav tm="0">
+                                          <p:val>
+                                            <p:strVal val="1+#ppt_h/2"/>
+                                          </p:val>
+                                        </p:tav>
+                                        <p:tav tm="100000">
+                                          <p:val>
+                                            <p:strVal val="#ppt_y"/>
+                                          </p:val>
+                                        </p:tav>
+                                      </p:tavLst>
+                                    </p:anim>
+                                  </p:childTnLst>
+                                </p:cTn>
+                              </p:par>
+                            </p:childTnLst>
+                          </p:cTn>
+                        </p:par>
+                      </p:childTnLst>
+                    </p:cTn>
+                  </p:par>
+                </p:childTnLst>
+              </p:cTn>
+              <p:prevCondLst>
+                <p:cond evt="onPrev" delay="0">
+                  <p:tgtEl>
+                    <p:sldTgt/>
+                  </p:tgtEl>
+                </p:cond>
+              </p:prevCondLst>
+              <p:nextCondLst>
+                <p:cond evt="onNext" delay="0">
+                  <p:tgtEl>
+                    <p:sldTgt/>
+                  </p:tgtEl>
+                </p:cond>
+              </p:nextCondLst>
+            </p:seq>
+          </p:childTnLst>
+        </p:cTn>
+      </p:par>
+    </p:tnLst>
+    <p:bldLst>
+      <p:bldP spid="3" grpId="0" build="p"/>
+    </p:bldLst>
+  </p:timing>
+</p:sld>
+</file>
+
+<file path=ppt/slides/slide9.xml><?xml version="1.0" encoding="utf-8"?>
+<p:sld xmlns:a="http://schemas.openxmlformats.org/drawingml/2006/main" xmlns:r="http://schemas.openxmlformats.org/officeDocument/2006/relationships" xmlns:p="http://schemas.openxmlformats.org/presentationml/2006/main">
+  <p:cSld>
+    <p:spTree>
+      <p:nvGrpSpPr>
+        <p:cNvPr id="1" name=""/>
+        <p:cNvGrpSpPr/>
+        <p:nvPr/>
+      </p:nvGrpSpPr>
+      <p:grpSpPr>
+        <a:xfrm>
+          <a:off x="0" y="0"/>
+          <a:ext cx="0" cy="0"/>
+          <a:chOff x="0" y="0"/>
+          <a:chExt cx="0" cy="0"/>
+        </a:xfrm>
+      </p:grpSpPr>
+      <p:sp>
+        <p:nvSpPr>
+          <p:cNvPr id="2" name="Title 1">
+            <a:extLst>
+              <a:ext uri="{FF2B5EF4-FFF2-40B4-BE49-F238E27FC236}">
+                <a16:creationId xmlns:a16="http://schemas.microsoft.com/office/drawing/2014/main" id="{787CDACC-FAF8-49B4-965C-61FB6A87F20F}"/>
+              </a:ext>
+            </a:extLst>
+          </p:cNvPr>
+          <p:cNvSpPr>
+            <a:spLocks noGrp="1"/>
+          </p:cNvSpPr>
+          <p:nvPr>
+            <p:ph type="title"/>
+          </p:nvPr>
+        </p:nvSpPr>
+        <p:spPr/>
+        <p:txBody>
+          <a:bodyPr/>
+          <a:lstStyle/>
+          <a:p>
+            <a:r>
+              <a:rPr lang="en-US" dirty="0">
+                <a:solidFill>
+                  <a:srgbClr val="00B0F0"/>
+                </a:solidFill>
+                <a:effectLst>
+                  <a:outerShdw blurRad="50800" dist="38100" dir="2700000" algn="tl" rotWithShape="0">
+                    <a:prstClr val="black">
+                      <a:alpha val="40000"/>
+                    </a:prstClr>
+                  </a:outerShdw>
+                </a:effectLst>
+              </a:rPr>
+              <a:t>Scanner</a:t>
+            </a:r>
+            <a:r>
+              <a:rPr lang="en-US" dirty="0">
+                <a:effectLst>
+                  <a:outerShdw blurRad="50800" dist="38100" dir="2700000" algn="tl" rotWithShape="0">
+                    <a:prstClr val="black">
+                      <a:alpha val="40000"/>
+                    </a:prstClr>
+                  </a:outerShdw>
+                </a:effectLst>
+              </a:rPr>
+              <a:t> </a:t>
+            </a:r>
+            <a:r>
+              <a:rPr lang="en-US" dirty="0">
+                <a:solidFill>
+                  <a:srgbClr val="00B050"/>
+                </a:solidFill>
+                <a:effectLst>
+                  <a:outerShdw blurRad="50800" dist="38100" dir="2700000" algn="tl" rotWithShape="0">
+                    <a:prstClr val="black">
+                      <a:alpha val="40000"/>
+                    </a:prstClr>
+                  </a:outerShdw>
+                </a:effectLst>
+              </a:rPr>
+              <a:t>methods</a:t>
+            </a:r>
+          </a:p>
+        </p:txBody>
+      </p:sp>
+      <p:graphicFrame>
+        <p:nvGraphicFramePr>
+          <p:cNvPr id="7" name="Table 7">
+            <a:extLst>
+              <a:ext uri="{FF2B5EF4-FFF2-40B4-BE49-F238E27FC236}">
+                <a16:creationId xmlns:a16="http://schemas.microsoft.com/office/drawing/2014/main" id="{4B341CA0-C326-4FCD-9B19-AF2CCE25F25C}"/>
+              </a:ext>
+            </a:extLst>
+          </p:cNvPr>
+          <p:cNvGraphicFramePr>
+            <a:graphicFrameLocks noGrp="1"/>
+          </p:cNvGraphicFramePr>
+          <p:nvPr>
+            <p:extLst>
+              <p:ext uri="{D42A27DB-BD31-4B8C-83A1-F6EECF244321}">
+                <p14:modId xmlns:p14="http://schemas.microsoft.com/office/powerpoint/2010/main" val="264048692"/>
+              </p:ext>
+            </p:extLst>
+          </p:nvPr>
+        </p:nvGraphicFramePr>
+        <p:xfrm>
+          <a:off x="89901" y="1986992"/>
+          <a:ext cx="12012196" cy="4297680"/>
+        </p:xfrm>
+        <a:graphic>
+          <a:graphicData uri="http://schemas.openxmlformats.org/drawingml/2006/table">
+            <a:tbl>
+              <a:tblPr firstRow="1" bandRow="1">
+                <a:tableStyleId>{5C22544A-7EE6-4342-B048-85BDC9FD1C3A}</a:tableStyleId>
+              </a:tblPr>
+              <a:tblGrid>
+                <a:gridCol w="4155089">
+                  <a:extLst>
+                    <a:ext uri="{9D8B030D-6E8A-4147-A177-3AD203B41FA5}">
+                      <a16:colId xmlns:a16="http://schemas.microsoft.com/office/drawing/2014/main" val="1542541329"/>
+                    </a:ext>
+                  </a:extLst>
+                </a:gridCol>
+                <a:gridCol w="7857107">
+                  <a:extLst>
+                    <a:ext uri="{9D8B030D-6E8A-4147-A177-3AD203B41FA5}">
+                      <a16:colId xmlns:a16="http://schemas.microsoft.com/office/drawing/2014/main" val="337671794"/>
+                    </a:ext>
+                  </a:extLst>
+                </a:gridCol>
+              </a:tblGrid>
+              <a:tr h="370840">
+                <a:tc>
+                  <a:txBody>
+                    <a:bodyPr/>
+                    <a:lstStyle/>
+                    <a:p>
+                      <a:r>
+                        <a:rPr lang="en-US" sz="2800" dirty="0"/>
+                        <a:t>Method/Command</a:t>
+                      </a:r>
+                    </a:p>
+                  </a:txBody>
+                  <a:tcPr/>
+                </a:tc>
+                <a:tc>
+                  <a:txBody>
+                    <a:bodyPr/>
+                    <a:lstStyle/>
+                    <a:p>
+                      <a:r>
+                        <a:rPr lang="en-US" sz="2800" dirty="0"/>
+                        <a:t>Example</a:t>
+                      </a:r>
+                    </a:p>
+                  </a:txBody>
+                  <a:tcPr/>
+                </a:tc>
+                <a:extLst>
+                  <a:ext uri="{0D108BD9-81ED-4DB2-BD59-A6C34878D82A}">
+                    <a16:rowId xmlns:a16="http://schemas.microsoft.com/office/drawing/2014/main" val="1955599690"/>
+                  </a:ext>
+                </a:extLst>
+              </a:tr>
+              <a:tr h="370840">
+                <a:tc>
+                  <a:txBody>
+                    <a:bodyPr/>
+                    <a:lstStyle/>
+                    <a:p>
+                      <a:r>
+                        <a:rPr lang="en-US" sz="2800" dirty="0" err="1"/>
+                        <a:t>Scanner.</a:t>
+                      </a:r>
+                      <a:r>
+                        <a:rPr lang="en-US" sz="2800" dirty="0" err="1">
+                          <a:solidFill>
+                            <a:srgbClr val="7030A0"/>
+                          </a:solidFill>
+                        </a:rPr>
+                        <a:t>nextLine</a:t>
+                      </a:r>
+                      <a:r>
+                        <a:rPr lang="en-US" sz="2800" dirty="0"/>
+                        <a:t>()</a:t>
+                      </a:r>
+                    </a:p>
+                    <a:p>
+                      <a:endParaRPr lang="en-US" sz="2800" dirty="0"/>
+                    </a:p>
+                  </a:txBody>
+                  <a:tcPr/>
+                </a:tc>
+                <a:tc>
+                  <a:txBody>
+                    <a:bodyPr/>
+                    <a:lstStyle/>
+                    <a:p>
+                      <a:r>
+                        <a:rPr lang="en-US" sz="2800" dirty="0"/>
+                        <a:t>String message = </a:t>
+                      </a:r>
+                      <a:r>
+                        <a:rPr lang="en-US" sz="2800" dirty="0" err="1"/>
+                        <a:t>input.</a:t>
+                      </a:r>
+                      <a:r>
+                        <a:rPr lang="en-US" sz="2800" dirty="0" err="1">
+                          <a:solidFill>
+                            <a:srgbClr val="7030A0"/>
+                          </a:solidFill>
+                        </a:rPr>
+                        <a:t>nextLine</a:t>
+                      </a:r>
+                      <a:r>
+                        <a:rPr lang="en-US" sz="2800" dirty="0"/>
+                        <a:t>();</a:t>
+                      </a:r>
+                    </a:p>
+                  </a:txBody>
+                  <a:tcPr/>
+                </a:tc>
+                <a:extLst>
+                  <a:ext uri="{0D108BD9-81ED-4DB2-BD59-A6C34878D82A}">
+                    <a16:rowId xmlns:a16="http://schemas.microsoft.com/office/drawing/2014/main" val="4216991403"/>
+                  </a:ext>
+                </a:extLst>
+              </a:tr>
+              <a:tr h="370840">
+                <a:tc>
+                  <a:txBody>
+                    <a:bodyPr/>
+                    <a:lstStyle/>
+                    <a:p>
+                      <a:r>
+                        <a:rPr lang="en-US" sz="2800" dirty="0" err="1"/>
+                        <a:t>Scanner.</a:t>
+                      </a:r>
+                      <a:r>
+                        <a:rPr lang="en-US" sz="2800" dirty="0" err="1">
+                          <a:solidFill>
+                            <a:srgbClr val="7030A0"/>
+                          </a:solidFill>
+                        </a:rPr>
+                        <a:t>nextInt</a:t>
+                      </a:r>
+                      <a:r>
+                        <a:rPr lang="en-US" sz="2800" dirty="0"/>
+                        <a:t>()</a:t>
+                      </a:r>
+                    </a:p>
+                    <a:p>
+                      <a:endParaRPr lang="en-US" sz="2800" dirty="0"/>
+                    </a:p>
+                  </a:txBody>
+                  <a:tcPr/>
+                </a:tc>
+                <a:tc>
+                  <a:txBody>
+                    <a:bodyPr/>
+                    <a:lstStyle/>
+                    <a:p>
+                      <a:r>
+                        <a:rPr lang="en-US" sz="2800" dirty="0"/>
+                        <a:t>int x = </a:t>
+                      </a:r>
+                      <a:r>
+                        <a:rPr lang="en-US" sz="2800" dirty="0" err="1"/>
+                        <a:t>input.</a:t>
+                      </a:r>
+                      <a:r>
+                        <a:rPr lang="en-US" sz="2800" dirty="0" err="1">
+                          <a:solidFill>
+                            <a:srgbClr val="7030A0"/>
+                          </a:solidFill>
+                        </a:rPr>
+                        <a:t>nextInt</a:t>
+                      </a:r>
+                      <a:r>
+                        <a:rPr lang="en-US" sz="2800" dirty="0"/>
+                        <a:t>();</a:t>
+                      </a:r>
+                    </a:p>
+                  </a:txBody>
+                  <a:tcPr/>
+                </a:tc>
+                <a:extLst>
+                  <a:ext uri="{0D108BD9-81ED-4DB2-BD59-A6C34878D82A}">
+                    <a16:rowId xmlns:a16="http://schemas.microsoft.com/office/drawing/2014/main" val="1852047934"/>
+                  </a:ext>
+                </a:extLst>
+              </a:tr>
+              <a:tr h="370840">
+                <a:tc>
+                  <a:txBody>
+                    <a:bodyPr/>
+                    <a:lstStyle/>
+                    <a:p>
+                      <a:r>
+                        <a:rPr lang="en-US" sz="2800" dirty="0" err="1"/>
+                        <a:t>Scanner.</a:t>
+                      </a:r>
+                      <a:r>
+                        <a:rPr lang="en-US" sz="2800" dirty="0" err="1">
+                          <a:solidFill>
+                            <a:srgbClr val="7030A0"/>
+                          </a:solidFill>
+                        </a:rPr>
+                        <a:t>nextDouble</a:t>
+                      </a:r>
+                      <a:r>
+                        <a:rPr lang="en-US" sz="2800" dirty="0"/>
+                        <a:t>()</a:t>
+                      </a:r>
+                    </a:p>
+                    <a:p>
+                      <a:endParaRPr lang="en-US" sz="2800" dirty="0"/>
+                    </a:p>
+                  </a:txBody>
+                  <a:tcPr/>
+                </a:tc>
+                <a:tc>
+                  <a:txBody>
+                    <a:bodyPr/>
+                    <a:lstStyle/>
+                    <a:p>
+                      <a:r>
+                        <a:rPr lang="en-US" sz="2800" dirty="0"/>
+                        <a:t>double money = </a:t>
+                      </a:r>
+                      <a:r>
+                        <a:rPr lang="en-US" sz="2800" dirty="0" err="1"/>
+                        <a:t>input.</a:t>
+                      </a:r>
+                      <a:r>
+                        <a:rPr lang="en-US" sz="2800" dirty="0" err="1">
+                          <a:solidFill>
+                            <a:srgbClr val="7030A0"/>
+                          </a:solidFill>
+                        </a:rPr>
+                        <a:t>nextDouble</a:t>
+                      </a:r>
+                      <a:r>
+                        <a:rPr lang="en-US" sz="2800" dirty="0"/>
+                        <a:t>();</a:t>
+                      </a:r>
+                    </a:p>
+                  </a:txBody>
+                  <a:tcPr/>
+                </a:tc>
+                <a:extLst>
+                  <a:ext uri="{0D108BD9-81ED-4DB2-BD59-A6C34878D82A}">
+                    <a16:rowId xmlns:a16="http://schemas.microsoft.com/office/drawing/2014/main" val="1458170788"/>
+                  </a:ext>
+                </a:extLst>
+              </a:tr>
+              <a:tr h="370840">
+                <a:tc>
+                  <a:txBody>
+                    <a:bodyPr/>
+                    <a:lstStyle/>
+                    <a:p>
+                      <a:r>
+                        <a:rPr lang="en-US" sz="2800" dirty="0" err="1"/>
+                        <a:t>Scanner.</a:t>
+                      </a:r>
+                      <a:r>
+                        <a:rPr lang="en-US" sz="2800" dirty="0" err="1">
+                          <a:solidFill>
+                            <a:srgbClr val="7030A0"/>
+                          </a:solidFill>
+                        </a:rPr>
+                        <a:t>nextBoolean</a:t>
+                      </a:r>
+                      <a:r>
+                        <a:rPr lang="en-US" sz="2800" dirty="0"/>
+                        <a:t>()</a:t>
+                      </a:r>
+                    </a:p>
+                    <a:p>
+                      <a:endParaRPr lang="en-US" sz="2800" dirty="0"/>
+                    </a:p>
+                  </a:txBody>
+                  <a:tcPr/>
+                </a:tc>
+                <a:tc>
+                  <a:txBody>
+                    <a:bodyPr/>
+                    <a:lstStyle/>
+                    <a:p>
+                      <a:r>
+                        <a:rPr lang="en-US" sz="2800" dirty="0"/>
+                        <a:t>boolean completed = </a:t>
+                      </a:r>
+                      <a:r>
+                        <a:rPr lang="en-US" sz="2800" dirty="0" err="1"/>
+                        <a:t>input.</a:t>
+                      </a:r>
+                      <a:r>
+                        <a:rPr lang="en-US" sz="2800" dirty="0" err="1">
+                          <a:solidFill>
+                            <a:srgbClr val="7030A0"/>
+                          </a:solidFill>
+                        </a:rPr>
+                        <a:t>nextBoolean</a:t>
+                      </a:r>
+                      <a:r>
+                        <a:rPr lang="en-US" sz="2800" dirty="0"/>
+                        <a:t>();</a:t>
+                      </a:r>
+                    </a:p>
+                  </a:txBody>
+                  <a:tcPr/>
+                </a:tc>
+                <a:extLst>
+                  <a:ext uri="{0D108BD9-81ED-4DB2-BD59-A6C34878D82A}">
+                    <a16:rowId xmlns:a16="http://schemas.microsoft.com/office/drawing/2014/main" val="2727488414"/>
+                  </a:ext>
+                </a:extLst>
+              </a:tr>
+            </a:tbl>
+          </a:graphicData>
+        </a:graphic>
+      </p:graphicFrame>
+    </p:spTree>
+    <p:extLst>
+      <p:ext uri="{BB962C8B-B14F-4D97-AF65-F5344CB8AC3E}">
+        <p14:creationId xmlns:p14="http://schemas.microsoft.com/office/powerpoint/2010/main" val="3796091722"/>
+      </p:ext>
+    </p:extLst>
+  </p:cSld>
+  <p:clrMapOvr>
+    <a:masterClrMapping/>
+  </p:clrMapOvr>
 </p:sld>
 </file>
 
